--- a/ITM800/사람은 무엇으로 성장하는가_안지석.pptx
+++ b/ITM800/사람은 무엇으로 성장하는가_안지석.pptx
@@ -4,10 +4,16 @@
   <p:sldMasterIdLst>
     <p:sldMasterId id="2147483648" r:id="rId1"/>
   </p:sldMasterIdLst>
+  <p:notesMasterIdLst>
+    <p:notesMasterId r:id="rId8"/>
+  </p:notesMasterIdLst>
   <p:sldIdLst>
     <p:sldId id="256" r:id="rId2"/>
-    <p:sldId id="257" r:id="rId3"/>
-    <p:sldId id="258" r:id="rId4"/>
+    <p:sldId id="259" r:id="rId3"/>
+    <p:sldId id="264" r:id="rId4"/>
+    <p:sldId id="262" r:id="rId5"/>
+    <p:sldId id="258" r:id="rId6"/>
+    <p:sldId id="261" r:id="rId7"/>
   </p:sldIdLst>
   <p:sldSz cx="12192000" cy="6858000"/>
   <p:notesSz cx="6858000" cy="9144000"/>
@@ -106,7 +112,361 @@
       </a:defRPr>
     </a:lvl9pPr>
   </p:defaultTextStyle>
+  <p:extLst>
+    <p:ext uri="{EFAFB233-063F-42B5-8137-9DF3F51BA10A}">
+      <p15:sldGuideLst xmlns:p15="http://schemas.microsoft.com/office/powerpoint/2012/main"/>
+    </p:ext>
+  </p:extLst>
 </p:presentation>
+</file>
+
+<file path=ppt/notesMasters/notesMaster1.xml><?xml version="1.0" encoding="utf-8"?>
+<p:notesMaster xmlns:a="http://schemas.openxmlformats.org/drawingml/2006/main" xmlns:r="http://schemas.openxmlformats.org/officeDocument/2006/relationships" xmlns:p="http://schemas.openxmlformats.org/presentationml/2006/main">
+  <p:cSld>
+    <p:bg>
+      <p:bgRef idx="1001">
+        <a:schemeClr val="bg1"/>
+      </p:bgRef>
+    </p:bg>
+    <p:spTree>
+      <p:nvGrpSpPr>
+        <p:cNvPr id="1" name=""/>
+        <p:cNvGrpSpPr/>
+        <p:nvPr/>
+      </p:nvGrpSpPr>
+      <p:grpSpPr>
+        <a:xfrm>
+          <a:off x="0" y="0"/>
+          <a:ext cx="0" cy="0"/>
+          <a:chOff x="0" y="0"/>
+          <a:chExt cx="0" cy="0"/>
+        </a:xfrm>
+      </p:grpSpPr>
+      <p:sp>
+        <p:nvSpPr>
+          <p:cNvPr id="2" name="머리글 개체 틀 1"/>
+          <p:cNvSpPr>
+            <a:spLocks noGrp="1"/>
+          </p:cNvSpPr>
+          <p:nvPr>
+            <p:ph type="hdr" sz="quarter"/>
+          </p:nvPr>
+        </p:nvSpPr>
+        <p:spPr>
+          <a:xfrm>
+            <a:off x="0" y="0"/>
+            <a:ext cx="2971800" cy="458788"/>
+          </a:xfrm>
+          <a:prstGeom prst="rect">
+            <a:avLst/>
+          </a:prstGeom>
+        </p:spPr>
+        <p:txBody>
+          <a:bodyPr vert="horz" lIns="91440" tIns="45720" rIns="91440" bIns="45720" rtlCol="0"/>
+          <a:lstStyle>
+            <a:lvl1pPr algn="l">
+              <a:defRPr sz="1200"/>
+            </a:lvl1pPr>
+          </a:lstStyle>
+          <a:p>
+            <a:endParaRPr lang="ko-KR" altLang="en-US"/>
+          </a:p>
+        </p:txBody>
+      </p:sp>
+      <p:sp>
+        <p:nvSpPr>
+          <p:cNvPr id="3" name="날짜 개체 틀 2"/>
+          <p:cNvSpPr>
+            <a:spLocks noGrp="1"/>
+          </p:cNvSpPr>
+          <p:nvPr>
+            <p:ph type="dt" idx="1"/>
+          </p:nvPr>
+        </p:nvSpPr>
+        <p:spPr>
+          <a:xfrm>
+            <a:off x="3884613" y="0"/>
+            <a:ext cx="2971800" cy="458788"/>
+          </a:xfrm>
+          <a:prstGeom prst="rect">
+            <a:avLst/>
+          </a:prstGeom>
+        </p:spPr>
+        <p:txBody>
+          <a:bodyPr vert="horz" lIns="91440" tIns="45720" rIns="91440" bIns="45720" rtlCol="0"/>
+          <a:lstStyle>
+            <a:lvl1pPr algn="r">
+              <a:defRPr sz="1200"/>
+            </a:lvl1pPr>
+          </a:lstStyle>
+          <a:p>
+            <a:fld id="{709862C1-D7DC-4414-9023-C20CA71B82F5}" type="datetimeFigureOut">
+              <a:rPr lang="ko-KR" altLang="en-US" smtClean="0"/>
+              <a:t>2023-09-13</a:t>
+            </a:fld>
+            <a:endParaRPr lang="ko-KR" altLang="en-US"/>
+          </a:p>
+        </p:txBody>
+      </p:sp>
+      <p:sp>
+        <p:nvSpPr>
+          <p:cNvPr id="4" name="슬라이드 이미지 개체 틀 3"/>
+          <p:cNvSpPr>
+            <a:spLocks noGrp="1" noRot="1" noChangeAspect="1"/>
+          </p:cNvSpPr>
+          <p:nvPr>
+            <p:ph type="sldImg" idx="2"/>
+          </p:nvPr>
+        </p:nvSpPr>
+        <p:spPr>
+          <a:xfrm>
+            <a:off x="685800" y="1143000"/>
+            <a:ext cx="5486400" cy="3086100"/>
+          </a:xfrm>
+          <a:prstGeom prst="rect">
+            <a:avLst/>
+          </a:prstGeom>
+          <a:noFill/>
+          <a:ln w="12700">
+            <a:solidFill>
+              <a:prstClr val="black"/>
+            </a:solidFill>
+          </a:ln>
+        </p:spPr>
+        <p:txBody>
+          <a:bodyPr vert="horz" lIns="91440" tIns="45720" rIns="91440" bIns="45720" rtlCol="0" anchor="ctr"/>
+          <a:lstStyle/>
+          <a:p>
+            <a:endParaRPr lang="ko-KR" altLang="en-US"/>
+          </a:p>
+        </p:txBody>
+      </p:sp>
+      <p:sp>
+        <p:nvSpPr>
+          <p:cNvPr id="5" name="슬라이드 노트 개체 틀 4"/>
+          <p:cNvSpPr>
+            <a:spLocks noGrp="1"/>
+          </p:cNvSpPr>
+          <p:nvPr>
+            <p:ph type="body" sz="quarter" idx="3"/>
+          </p:nvPr>
+        </p:nvSpPr>
+        <p:spPr>
+          <a:xfrm>
+            <a:off x="685800" y="4400550"/>
+            <a:ext cx="5486400" cy="3600450"/>
+          </a:xfrm>
+          <a:prstGeom prst="rect">
+            <a:avLst/>
+          </a:prstGeom>
+        </p:spPr>
+        <p:txBody>
+          <a:bodyPr vert="horz" lIns="91440" tIns="45720" rIns="91440" bIns="45720" rtlCol="0"/>
+          <a:lstStyle/>
+          <a:p>
+            <a:pPr lvl="0"/>
+            <a:r>
+              <a:rPr lang="ko-KR" altLang="en-US"/>
+              <a:t>마스터 텍스트 스타일 편집</a:t>
+            </a:r>
+          </a:p>
+          <a:p>
+            <a:pPr lvl="1"/>
+            <a:r>
+              <a:rPr lang="ko-KR" altLang="en-US"/>
+              <a:t>둘째 수준</a:t>
+            </a:r>
+          </a:p>
+          <a:p>
+            <a:pPr lvl="2"/>
+            <a:r>
+              <a:rPr lang="ko-KR" altLang="en-US"/>
+              <a:t>셋째 수준</a:t>
+            </a:r>
+          </a:p>
+          <a:p>
+            <a:pPr lvl="3"/>
+            <a:r>
+              <a:rPr lang="ko-KR" altLang="en-US"/>
+              <a:t>넷째 수준</a:t>
+            </a:r>
+          </a:p>
+          <a:p>
+            <a:pPr lvl="4"/>
+            <a:r>
+              <a:rPr lang="ko-KR" altLang="en-US"/>
+              <a:t>다섯째 수준</a:t>
+            </a:r>
+          </a:p>
+        </p:txBody>
+      </p:sp>
+      <p:sp>
+        <p:nvSpPr>
+          <p:cNvPr id="6" name="바닥글 개체 틀 5"/>
+          <p:cNvSpPr>
+            <a:spLocks noGrp="1"/>
+          </p:cNvSpPr>
+          <p:nvPr>
+            <p:ph type="ftr" sz="quarter" idx="4"/>
+          </p:nvPr>
+        </p:nvSpPr>
+        <p:spPr>
+          <a:xfrm>
+            <a:off x="0" y="8685213"/>
+            <a:ext cx="2971800" cy="458787"/>
+          </a:xfrm>
+          <a:prstGeom prst="rect">
+            <a:avLst/>
+          </a:prstGeom>
+        </p:spPr>
+        <p:txBody>
+          <a:bodyPr vert="horz" lIns="91440" tIns="45720" rIns="91440" bIns="45720" rtlCol="0" anchor="b"/>
+          <a:lstStyle>
+            <a:lvl1pPr algn="l">
+              <a:defRPr sz="1200"/>
+            </a:lvl1pPr>
+          </a:lstStyle>
+          <a:p>
+            <a:endParaRPr lang="ko-KR" altLang="en-US"/>
+          </a:p>
+        </p:txBody>
+      </p:sp>
+      <p:sp>
+        <p:nvSpPr>
+          <p:cNvPr id="7" name="슬라이드 번호 개체 틀 6"/>
+          <p:cNvSpPr>
+            <a:spLocks noGrp="1"/>
+          </p:cNvSpPr>
+          <p:nvPr>
+            <p:ph type="sldNum" sz="quarter" idx="5"/>
+          </p:nvPr>
+        </p:nvSpPr>
+        <p:spPr>
+          <a:xfrm>
+            <a:off x="3884613" y="8685213"/>
+            <a:ext cx="2971800" cy="458787"/>
+          </a:xfrm>
+          <a:prstGeom prst="rect">
+            <a:avLst/>
+          </a:prstGeom>
+        </p:spPr>
+        <p:txBody>
+          <a:bodyPr vert="horz" lIns="91440" tIns="45720" rIns="91440" bIns="45720" rtlCol="0" anchor="b"/>
+          <a:lstStyle>
+            <a:lvl1pPr algn="r">
+              <a:defRPr sz="1200"/>
+            </a:lvl1pPr>
+          </a:lstStyle>
+          <a:p>
+            <a:fld id="{3F758F10-19AD-48EF-BA0C-00A5775E2F7D}" type="slidenum">
+              <a:rPr lang="ko-KR" altLang="en-US" smtClean="0"/>
+              <a:t>‹#›</a:t>
+            </a:fld>
+            <a:endParaRPr lang="ko-KR" altLang="en-US"/>
+          </a:p>
+        </p:txBody>
+      </p:sp>
+    </p:spTree>
+    <p:extLst>
+      <p:ext uri="{BB962C8B-B14F-4D97-AF65-F5344CB8AC3E}">
+        <p14:creationId xmlns:p14="http://schemas.microsoft.com/office/powerpoint/2010/main" val="2933973021"/>
+      </p:ext>
+    </p:extLst>
+  </p:cSld>
+  <p:clrMap bg1="lt1" tx1="dk1" bg2="lt2" tx2="dk2" accent1="accent1" accent2="accent2" accent3="accent3" accent4="accent4" accent5="accent5" accent6="accent6" hlink="hlink" folHlink="folHlink"/>
+  <p:notesStyle>
+    <a:lvl1pPr marL="0" algn="l" defTabSz="914400" rtl="0" eaLnBrk="1" latinLnBrk="1" hangingPunct="1">
+      <a:defRPr sz="1200" kern="1200">
+        <a:solidFill>
+          <a:schemeClr val="tx1"/>
+        </a:solidFill>
+        <a:latin typeface="+mn-lt"/>
+        <a:ea typeface="+mn-ea"/>
+        <a:cs typeface="+mn-cs"/>
+      </a:defRPr>
+    </a:lvl1pPr>
+    <a:lvl2pPr marL="457200" algn="l" defTabSz="914400" rtl="0" eaLnBrk="1" latinLnBrk="1" hangingPunct="1">
+      <a:defRPr sz="1200" kern="1200">
+        <a:solidFill>
+          <a:schemeClr val="tx1"/>
+        </a:solidFill>
+        <a:latin typeface="+mn-lt"/>
+        <a:ea typeface="+mn-ea"/>
+        <a:cs typeface="+mn-cs"/>
+      </a:defRPr>
+    </a:lvl2pPr>
+    <a:lvl3pPr marL="914400" algn="l" defTabSz="914400" rtl="0" eaLnBrk="1" latinLnBrk="1" hangingPunct="1">
+      <a:defRPr sz="1200" kern="1200">
+        <a:solidFill>
+          <a:schemeClr val="tx1"/>
+        </a:solidFill>
+        <a:latin typeface="+mn-lt"/>
+        <a:ea typeface="+mn-ea"/>
+        <a:cs typeface="+mn-cs"/>
+      </a:defRPr>
+    </a:lvl3pPr>
+    <a:lvl4pPr marL="1371600" algn="l" defTabSz="914400" rtl="0" eaLnBrk="1" latinLnBrk="1" hangingPunct="1">
+      <a:defRPr sz="1200" kern="1200">
+        <a:solidFill>
+          <a:schemeClr val="tx1"/>
+        </a:solidFill>
+        <a:latin typeface="+mn-lt"/>
+        <a:ea typeface="+mn-ea"/>
+        <a:cs typeface="+mn-cs"/>
+      </a:defRPr>
+    </a:lvl4pPr>
+    <a:lvl5pPr marL="1828800" algn="l" defTabSz="914400" rtl="0" eaLnBrk="1" latinLnBrk="1" hangingPunct="1">
+      <a:defRPr sz="1200" kern="1200">
+        <a:solidFill>
+          <a:schemeClr val="tx1"/>
+        </a:solidFill>
+        <a:latin typeface="+mn-lt"/>
+        <a:ea typeface="+mn-ea"/>
+        <a:cs typeface="+mn-cs"/>
+      </a:defRPr>
+    </a:lvl5pPr>
+    <a:lvl6pPr marL="2286000" algn="l" defTabSz="914400" rtl="0" eaLnBrk="1" latinLnBrk="1" hangingPunct="1">
+      <a:defRPr sz="1200" kern="1200">
+        <a:solidFill>
+          <a:schemeClr val="tx1"/>
+        </a:solidFill>
+        <a:latin typeface="+mn-lt"/>
+        <a:ea typeface="+mn-ea"/>
+        <a:cs typeface="+mn-cs"/>
+      </a:defRPr>
+    </a:lvl6pPr>
+    <a:lvl7pPr marL="2743200" algn="l" defTabSz="914400" rtl="0" eaLnBrk="1" latinLnBrk="1" hangingPunct="1">
+      <a:defRPr sz="1200" kern="1200">
+        <a:solidFill>
+          <a:schemeClr val="tx1"/>
+        </a:solidFill>
+        <a:latin typeface="+mn-lt"/>
+        <a:ea typeface="+mn-ea"/>
+        <a:cs typeface="+mn-cs"/>
+      </a:defRPr>
+    </a:lvl7pPr>
+    <a:lvl8pPr marL="3200400" algn="l" defTabSz="914400" rtl="0" eaLnBrk="1" latinLnBrk="1" hangingPunct="1">
+      <a:defRPr sz="1200" kern="1200">
+        <a:solidFill>
+          <a:schemeClr val="tx1"/>
+        </a:solidFill>
+        <a:latin typeface="+mn-lt"/>
+        <a:ea typeface="+mn-ea"/>
+        <a:cs typeface="+mn-cs"/>
+      </a:defRPr>
+    </a:lvl8pPr>
+    <a:lvl9pPr marL="3657600" algn="l" defTabSz="914400" rtl="0" eaLnBrk="1" latinLnBrk="1" hangingPunct="1">
+      <a:defRPr sz="1200" kern="1200">
+        <a:solidFill>
+          <a:schemeClr val="tx1"/>
+        </a:solidFill>
+        <a:latin typeface="+mn-lt"/>
+        <a:ea typeface="+mn-ea"/>
+        <a:cs typeface="+mn-cs"/>
+      </a:defRPr>
+    </a:lvl9pPr>
+  </p:notesStyle>
+</p:notesMaster>
 </file>
 
 <file path=ppt/slideLayouts/slideLayout1.xml><?xml version="1.0" encoding="utf-8"?>
@@ -254,9 +614,9 @@
           <a:bodyPr/>
           <a:lstStyle/>
           <a:p>
-            <a:fld id="{940DC0C4-EA8E-4FFC-BD2D-657BEAC6653B}" type="datetimeFigureOut">
+            <a:fld id="{B8CBC754-F403-403C-B916-A7AF2A86B878}" type="datetime1">
               <a:rPr lang="ko-KR" altLang="en-US" smtClean="0"/>
-              <a:t>2023-09-12</a:t>
+              <a:t>2023-09-13</a:t>
             </a:fld>
             <a:endParaRPr lang="ko-KR" altLang="en-US"/>
           </a:p>
@@ -452,9 +812,9 @@
           <a:bodyPr/>
           <a:lstStyle/>
           <a:p>
-            <a:fld id="{940DC0C4-EA8E-4FFC-BD2D-657BEAC6653B}" type="datetimeFigureOut">
+            <a:fld id="{BF4AB99B-7D9F-4CEB-8E7D-0B21AC0C5F42}" type="datetime1">
               <a:rPr lang="ko-KR" altLang="en-US" smtClean="0"/>
-              <a:t>2023-09-12</a:t>
+              <a:t>2023-09-13</a:t>
             </a:fld>
             <a:endParaRPr lang="ko-KR" altLang="en-US"/>
           </a:p>
@@ -660,9 +1020,9 @@
           <a:bodyPr/>
           <a:lstStyle/>
           <a:p>
-            <a:fld id="{940DC0C4-EA8E-4FFC-BD2D-657BEAC6653B}" type="datetimeFigureOut">
+            <a:fld id="{0C0902B2-B378-409E-B52C-174AFDC2D3AF}" type="datetime1">
               <a:rPr lang="ko-KR" altLang="en-US" smtClean="0"/>
-              <a:t>2023-09-12</a:t>
+              <a:t>2023-09-13</a:t>
             </a:fld>
             <a:endParaRPr lang="ko-KR" altLang="en-US"/>
           </a:p>
@@ -858,9 +1218,9 @@
           <a:bodyPr/>
           <a:lstStyle/>
           <a:p>
-            <a:fld id="{940DC0C4-EA8E-4FFC-BD2D-657BEAC6653B}" type="datetimeFigureOut">
+            <a:fld id="{4905C80D-9AB6-467E-B177-E2A7E9AC66A6}" type="datetime1">
               <a:rPr lang="ko-KR" altLang="en-US" smtClean="0"/>
-              <a:t>2023-09-12</a:t>
+              <a:t>2023-09-13</a:t>
             </a:fld>
             <a:endParaRPr lang="ko-KR" altLang="en-US"/>
           </a:p>
@@ -1133,9 +1493,9 @@
           <a:bodyPr/>
           <a:lstStyle/>
           <a:p>
-            <a:fld id="{940DC0C4-EA8E-4FFC-BD2D-657BEAC6653B}" type="datetimeFigureOut">
+            <a:fld id="{221CB733-D165-4907-BEB0-C8B9A19A67D3}" type="datetime1">
               <a:rPr lang="ko-KR" altLang="en-US" smtClean="0"/>
-              <a:t>2023-09-12</a:t>
+              <a:t>2023-09-13</a:t>
             </a:fld>
             <a:endParaRPr lang="ko-KR" altLang="en-US"/>
           </a:p>
@@ -1398,9 +1758,9 @@
           <a:bodyPr/>
           <a:lstStyle/>
           <a:p>
-            <a:fld id="{940DC0C4-EA8E-4FFC-BD2D-657BEAC6653B}" type="datetimeFigureOut">
+            <a:fld id="{78452A59-DCA0-461E-A4E4-F4D1B0CD9613}" type="datetime1">
               <a:rPr lang="ko-KR" altLang="en-US" smtClean="0"/>
-              <a:t>2023-09-12</a:t>
+              <a:t>2023-09-13</a:t>
             </a:fld>
             <a:endParaRPr lang="ko-KR" altLang="en-US"/>
           </a:p>
@@ -1810,9 +2170,9 @@
           <a:bodyPr/>
           <a:lstStyle/>
           <a:p>
-            <a:fld id="{940DC0C4-EA8E-4FFC-BD2D-657BEAC6653B}" type="datetimeFigureOut">
+            <a:fld id="{3BABBC09-3ABA-4FE3-978C-269E4611FEE9}" type="datetime1">
               <a:rPr lang="ko-KR" altLang="en-US" smtClean="0"/>
-              <a:t>2023-09-12</a:t>
+              <a:t>2023-09-13</a:t>
             </a:fld>
             <a:endParaRPr lang="ko-KR" altLang="en-US"/>
           </a:p>
@@ -1951,9 +2311,9 @@
           <a:bodyPr/>
           <a:lstStyle/>
           <a:p>
-            <a:fld id="{940DC0C4-EA8E-4FFC-BD2D-657BEAC6653B}" type="datetimeFigureOut">
+            <a:fld id="{04BFA9A4-902D-4246-871D-CC44969FB96D}" type="datetime1">
               <a:rPr lang="ko-KR" altLang="en-US" smtClean="0"/>
-              <a:t>2023-09-12</a:t>
+              <a:t>2023-09-13</a:t>
             </a:fld>
             <a:endParaRPr lang="ko-KR" altLang="en-US"/>
           </a:p>
@@ -2064,9 +2424,9 @@
           <a:bodyPr/>
           <a:lstStyle/>
           <a:p>
-            <a:fld id="{940DC0C4-EA8E-4FFC-BD2D-657BEAC6653B}" type="datetimeFigureOut">
+            <a:fld id="{C5056263-2D09-46C0-B989-9F60D27696D2}" type="datetime1">
               <a:rPr lang="ko-KR" altLang="en-US" smtClean="0"/>
-              <a:t>2023-09-12</a:t>
+              <a:t>2023-09-13</a:t>
             </a:fld>
             <a:endParaRPr lang="ko-KR" altLang="en-US"/>
           </a:p>
@@ -2375,9 +2735,9 @@
           <a:bodyPr/>
           <a:lstStyle/>
           <a:p>
-            <a:fld id="{940DC0C4-EA8E-4FFC-BD2D-657BEAC6653B}" type="datetimeFigureOut">
+            <a:fld id="{3F2A1979-9DAE-408D-8A33-A9477FF7EAAC}" type="datetime1">
               <a:rPr lang="ko-KR" altLang="en-US" smtClean="0"/>
-              <a:t>2023-09-12</a:t>
+              <a:t>2023-09-13</a:t>
             </a:fld>
             <a:endParaRPr lang="ko-KR" altLang="en-US"/>
           </a:p>
@@ -2663,9 +3023,9 @@
           <a:bodyPr/>
           <a:lstStyle/>
           <a:p>
-            <a:fld id="{940DC0C4-EA8E-4FFC-BD2D-657BEAC6653B}" type="datetimeFigureOut">
+            <a:fld id="{748ECCF5-C974-456C-B72A-F4078431BB61}" type="datetime1">
               <a:rPr lang="ko-KR" altLang="en-US" smtClean="0"/>
-              <a:t>2023-09-12</a:t>
+              <a:t>2023-09-13</a:t>
             </a:fld>
             <a:endParaRPr lang="ko-KR" altLang="en-US"/>
           </a:p>
@@ -2904,9 +3264,9 @@
             </a:lvl1pPr>
           </a:lstStyle>
           <a:p>
-            <a:fld id="{940DC0C4-EA8E-4FFC-BD2D-657BEAC6653B}" type="datetimeFigureOut">
+            <a:fld id="{A6CEDD77-2FB4-4C72-8D17-54C79A82AAD1}" type="datetime1">
               <a:rPr lang="ko-KR" altLang="en-US" smtClean="0"/>
-              <a:t>2023-09-12</a:t>
+              <a:t>2023-09-13</a:t>
             </a:fld>
             <a:endParaRPr lang="ko-KR" altLang="en-US"/>
           </a:p>
@@ -3023,6 +3383,7 @@
     <p:sldLayoutId id="2147483658" r:id="rId10"/>
     <p:sldLayoutId id="2147483659" r:id="rId11"/>
   </p:sldLayoutIdLst>
+  <p:hf hdr="0" ftr="0" dt="0"/>
   <p:txStyles>
     <p:titleStyle>
       <a:lvl1pPr algn="l" defTabSz="914400" rtl="0" eaLnBrk="1" latinLnBrk="1" hangingPunct="1">
@@ -3350,14 +3711,23 @@
           <a:lstStyle/>
           <a:p>
             <a:r>
-              <a:rPr lang="ko-KR" altLang="en-US" dirty="0"/>
+              <a:rPr lang="ko-KR" altLang="en-US" dirty="0">
+                <a:latin typeface="Gowun Batang" pitchFamily="2" charset="-127"/>
+                <a:ea typeface="Gowun Batang" pitchFamily="2" charset="-127"/>
+              </a:rPr>
               <a:t>사람은 무엇으로 </a:t>
             </a:r>
             <a:br>
-              <a:rPr lang="en-US" altLang="ko-KR" dirty="0"/>
+              <a:rPr lang="en-US" altLang="ko-KR" dirty="0">
+                <a:latin typeface="Gowun Batang" pitchFamily="2" charset="-127"/>
+                <a:ea typeface="Gowun Batang" pitchFamily="2" charset="-127"/>
+              </a:rPr>
             </a:br>
             <a:r>
-              <a:rPr lang="ko-KR" altLang="en-US" dirty="0"/>
+              <a:rPr lang="ko-KR" altLang="en-US" dirty="0">
+                <a:latin typeface="Gowun Batang" pitchFamily="2" charset="-127"/>
+                <a:ea typeface="Gowun Batang" pitchFamily="2" charset="-127"/>
+              </a:rPr>
               <a:t>성장하는가</a:t>
             </a:r>
           </a:p>
@@ -3395,31 +3765,94 @@
           </a:p>
           <a:p>
             <a:r>
-              <a:rPr lang="ko-KR" altLang="en-US" dirty="0"/>
+              <a:rPr lang="ko-KR" altLang="en-US" dirty="0">
+                <a:latin typeface="Gowun Batang" pitchFamily="2" charset="-127"/>
+                <a:ea typeface="Gowun Batang" pitchFamily="2" charset="-127"/>
+              </a:rPr>
               <a:t>혁신과 전략 특강 </a:t>
             </a:r>
-            <a:endParaRPr lang="en-US" altLang="ko-KR" dirty="0"/>
-          </a:p>
-          <a:p>
-            <a:r>
-              <a:rPr lang="en-US" altLang="ko-KR" dirty="0"/>
+            <a:r>
+              <a:rPr lang="en-US" altLang="ko-KR" dirty="0">
+                <a:latin typeface="Gowun Batang" pitchFamily="2" charset="-127"/>
+                <a:ea typeface="Gowun Batang" pitchFamily="2" charset="-127"/>
+              </a:rPr>
               <a:t>3</a:t>
             </a:r>
             <a:r>
-              <a:rPr lang="ko-KR" altLang="en-US" dirty="0"/>
+              <a:rPr lang="ko-KR" altLang="en-US" dirty="0">
+                <a:latin typeface="Gowun Batang" pitchFamily="2" charset="-127"/>
+                <a:ea typeface="Gowun Batang" pitchFamily="2" charset="-127"/>
+              </a:rPr>
               <a:t>주차 발표과제</a:t>
             </a:r>
-            <a:endParaRPr lang="en-US" altLang="ko-KR" dirty="0"/>
-          </a:p>
-          <a:p>
-            <a:endParaRPr lang="en-US" altLang="ko-KR" dirty="0"/>
-          </a:p>
-          <a:p>
-            <a:r>
-              <a:rPr lang="ko-KR" altLang="en-US" dirty="0"/>
+            <a:endParaRPr lang="en-US" altLang="ko-KR" dirty="0">
+              <a:latin typeface="Gowun Batang" pitchFamily="2" charset="-127"/>
+              <a:ea typeface="Gowun Batang" pitchFamily="2" charset="-127"/>
+            </a:endParaRPr>
+          </a:p>
+          <a:p>
+            <a:r>
+              <a:rPr lang="en-US" altLang="ko-KR" dirty="0">
+                <a:latin typeface="Gowun Batang" pitchFamily="2" charset="-127"/>
+                <a:ea typeface="Gowun Batang" pitchFamily="2" charset="-127"/>
+              </a:rPr>
+              <a:t>2023.09.16</a:t>
+            </a:r>
+          </a:p>
+          <a:p>
+            <a:endParaRPr lang="en-US" altLang="ko-KR" dirty="0">
+              <a:latin typeface="Gowun Batang" pitchFamily="2" charset="-127"/>
+              <a:ea typeface="Gowun Batang" pitchFamily="2" charset="-127"/>
+            </a:endParaRPr>
+          </a:p>
+          <a:p>
+            <a:r>
+              <a:rPr lang="en-US" altLang="ko-KR" dirty="0">
+                <a:latin typeface="Gowun Batang" pitchFamily="2" charset="-127"/>
+                <a:ea typeface="Gowun Batang" pitchFamily="2" charset="-127"/>
+              </a:rPr>
+              <a:t>ITM 20235575 </a:t>
+            </a:r>
+            <a:r>
+              <a:rPr lang="ko-KR" altLang="en-US" dirty="0">
+                <a:latin typeface="Gowun Batang" pitchFamily="2" charset="-127"/>
+                <a:ea typeface="Gowun Batang" pitchFamily="2" charset="-127"/>
+              </a:rPr>
               <a:t>안지석</a:t>
             </a:r>
-            <a:endParaRPr lang="en-US" altLang="ko-KR" dirty="0"/>
+            <a:endParaRPr lang="en-US" altLang="ko-KR" dirty="0">
+              <a:latin typeface="Gowun Batang" pitchFamily="2" charset="-127"/>
+              <a:ea typeface="Gowun Batang" pitchFamily="2" charset="-127"/>
+            </a:endParaRPr>
+          </a:p>
+        </p:txBody>
+      </p:sp>
+      <p:sp>
+        <p:nvSpPr>
+          <p:cNvPr id="4" name="슬라이드 번호 개체 틀 3">
+            <a:extLst>
+              <a:ext uri="{FF2B5EF4-FFF2-40B4-BE49-F238E27FC236}">
+                <a16:creationId xmlns:a16="http://schemas.microsoft.com/office/drawing/2014/main" id="{2E78A4AE-BCFC-4B59-A968-A0FD84D34E96}"/>
+              </a:ext>
+            </a:extLst>
+          </p:cNvPr>
+          <p:cNvSpPr>
+            <a:spLocks noGrp="1"/>
+          </p:cNvSpPr>
+          <p:nvPr>
+            <p:ph type="sldNum" sz="quarter" idx="12"/>
+          </p:nvPr>
+        </p:nvSpPr>
+        <p:spPr/>
+        <p:txBody>
+          <a:bodyPr/>
+          <a:lstStyle/>
+          <a:p>
+            <a:fld id="{21B4BBCE-2797-41B5-8BA4-105457AB5E7A}" type="slidenum">
+              <a:rPr lang="ko-KR" altLang="en-US" smtClean="0"/>
+              <a:t>1</a:t>
+            </a:fld>
+            <a:endParaRPr lang="ko-KR" altLang="en-US"/>
           </a:p>
         </p:txBody>
       </p:sp>
@@ -3455,6 +3888,190 @@
       </p:grpSpPr>
       <p:sp>
         <p:nvSpPr>
+          <p:cNvPr id="14" name="TextBox 13">
+            <a:extLst>
+              <a:ext uri="{FF2B5EF4-FFF2-40B4-BE49-F238E27FC236}">
+                <a16:creationId xmlns:a16="http://schemas.microsoft.com/office/drawing/2014/main" id="{0BF23D46-A077-451D-8F38-546CB2D2A729}"/>
+              </a:ext>
+            </a:extLst>
+          </p:cNvPr>
+          <p:cNvSpPr txBox="1"/>
+          <p:nvPr/>
+        </p:nvSpPr>
+        <p:spPr>
+          <a:xfrm>
+            <a:off x="416170" y="1649506"/>
+            <a:ext cx="6630090" cy="4401205"/>
+          </a:xfrm>
+          <a:prstGeom prst="rect">
+            <a:avLst/>
+          </a:prstGeom>
+          <a:noFill/>
+        </p:spPr>
+        <p:txBody>
+          <a:bodyPr wrap="square" rtlCol="0">
+            <a:spAutoFit/>
+          </a:bodyPr>
+          <a:lstStyle/>
+          <a:p>
+            <a:pPr marL="285750" indent="-285750">
+              <a:buFontTx/>
+              <a:buChar char="-"/>
+            </a:pPr>
+            <a:r>
+              <a:rPr lang="ko-KR" altLang="en-US" sz="2800" dirty="0">
+                <a:latin typeface="Gowun Batang" pitchFamily="2" charset="-127"/>
+                <a:ea typeface="Gowun Batang" pitchFamily="2" charset="-127"/>
+              </a:rPr>
+              <a:t>성장하기로 결단하는 사람들은 대부분 책 속에서 모범이 될 수 있는 </a:t>
+            </a:r>
+            <a:r>
+              <a:rPr lang="ko-KR" altLang="en-US" sz="2800" b="1" dirty="0">
+                <a:latin typeface="Gowun Batang" pitchFamily="2" charset="-127"/>
+                <a:ea typeface="Gowun Batang" pitchFamily="2" charset="-127"/>
+              </a:rPr>
+              <a:t>멘토</a:t>
+            </a:r>
+            <a:r>
+              <a:rPr lang="ko-KR" altLang="en-US" sz="2800" dirty="0">
+                <a:latin typeface="Gowun Batang" pitchFamily="2" charset="-127"/>
+                <a:ea typeface="Gowun Batang" pitchFamily="2" charset="-127"/>
+              </a:rPr>
+              <a:t>를 찾는다</a:t>
+            </a:r>
+            <a:r>
+              <a:rPr lang="en-US" altLang="ko-KR" sz="2800" dirty="0">
+                <a:latin typeface="Gowun Batang" pitchFamily="2" charset="-127"/>
+                <a:ea typeface="Gowun Batang" pitchFamily="2" charset="-127"/>
+              </a:rPr>
+              <a:t>.</a:t>
+            </a:r>
+          </a:p>
+          <a:p>
+            <a:endParaRPr lang="en-US" altLang="ko-KR" sz="2800" dirty="0">
+              <a:latin typeface="Gowun Batang" pitchFamily="2" charset="-127"/>
+              <a:ea typeface="Gowun Batang" pitchFamily="2" charset="-127"/>
+            </a:endParaRPr>
+          </a:p>
+          <a:p>
+            <a:r>
+              <a:rPr lang="en-US" altLang="ko-KR" sz="2800" dirty="0">
+                <a:latin typeface="Gowun Batang" pitchFamily="2" charset="-127"/>
+                <a:ea typeface="Gowun Batang" pitchFamily="2" charset="-127"/>
+              </a:rPr>
+              <a:t>- </a:t>
+            </a:r>
+            <a:r>
+              <a:rPr lang="ko-KR" altLang="en-US" sz="2800" dirty="0">
+                <a:latin typeface="Gowun Batang" pitchFamily="2" charset="-127"/>
+                <a:ea typeface="Gowun Batang" pitchFamily="2" charset="-127"/>
+              </a:rPr>
+              <a:t>멘토의 경험</a:t>
+            </a:r>
+            <a:r>
+              <a:rPr lang="en-US" altLang="ko-KR" sz="2800" dirty="0">
+                <a:latin typeface="Gowun Batang" pitchFamily="2" charset="-127"/>
+                <a:ea typeface="Gowun Batang" pitchFamily="2" charset="-127"/>
+              </a:rPr>
+              <a:t>, </a:t>
+            </a:r>
+            <a:r>
+              <a:rPr lang="ko-KR" altLang="en-US" sz="2800" dirty="0">
+                <a:latin typeface="Gowun Batang" pitchFamily="2" charset="-127"/>
+                <a:ea typeface="Gowun Batang" pitchFamily="2" charset="-127"/>
+              </a:rPr>
+              <a:t>안목</a:t>
+            </a:r>
+            <a:r>
+              <a:rPr lang="en-US" altLang="ko-KR" sz="2800" dirty="0">
+                <a:latin typeface="Gowun Batang" pitchFamily="2" charset="-127"/>
+                <a:ea typeface="Gowun Batang" pitchFamily="2" charset="-127"/>
+              </a:rPr>
+              <a:t>, </a:t>
+            </a:r>
+            <a:r>
+              <a:rPr lang="ko-KR" altLang="en-US" sz="2800" dirty="0">
+                <a:latin typeface="Gowun Batang" pitchFamily="2" charset="-127"/>
+                <a:ea typeface="Gowun Batang" pitchFamily="2" charset="-127"/>
+              </a:rPr>
+              <a:t>지식의 도움을 받으면 우리가 혼자서는 애먹었을 </a:t>
+            </a:r>
+            <a:r>
+              <a:rPr lang="ko-KR" altLang="en-US" sz="2800" b="1" dirty="0">
+                <a:latin typeface="Gowun Batang" pitchFamily="2" charset="-127"/>
+                <a:ea typeface="Gowun Batang" pitchFamily="2" charset="-127"/>
+              </a:rPr>
+              <a:t>문제를 빠르게 해결</a:t>
+            </a:r>
+            <a:r>
+              <a:rPr lang="ko-KR" altLang="en-US" sz="2800" dirty="0">
+                <a:latin typeface="Gowun Batang" pitchFamily="2" charset="-127"/>
+                <a:ea typeface="Gowun Batang" pitchFamily="2" charset="-127"/>
+              </a:rPr>
+              <a:t>할 수 있다</a:t>
+            </a:r>
+            <a:r>
+              <a:rPr lang="en-US" altLang="ko-KR" sz="2800" dirty="0">
+                <a:latin typeface="Gowun Batang" pitchFamily="2" charset="-127"/>
+                <a:ea typeface="Gowun Batang" pitchFamily="2" charset="-127"/>
+              </a:rPr>
+              <a:t>.</a:t>
+            </a:r>
+          </a:p>
+          <a:p>
+            <a:endParaRPr lang="en-US" altLang="ko-KR" sz="2800" dirty="0">
+              <a:latin typeface="Gowun Batang" pitchFamily="2" charset="-127"/>
+              <a:ea typeface="Gowun Batang" pitchFamily="2" charset="-127"/>
+            </a:endParaRPr>
+          </a:p>
+          <a:p>
+            <a:pPr marL="285750" indent="-285750">
+              <a:buFontTx/>
+              <a:buChar char="-"/>
+            </a:pPr>
+            <a:r>
+              <a:rPr lang="ko-KR" altLang="en-US" sz="2800" dirty="0">
+                <a:latin typeface="Gowun Batang" pitchFamily="2" charset="-127"/>
+                <a:ea typeface="Gowun Batang" pitchFamily="2" charset="-127"/>
+              </a:rPr>
+              <a:t>앞에 있는 길을 알고 싶으면 </a:t>
+            </a:r>
+            <a:r>
+              <a:rPr lang="ko-KR" altLang="en-US" sz="2800" b="1" dirty="0">
+                <a:latin typeface="Gowun Batang" pitchFamily="2" charset="-127"/>
+                <a:ea typeface="Gowun Batang" pitchFamily="2" charset="-127"/>
+              </a:rPr>
+              <a:t>돌아오는 사람</a:t>
+            </a:r>
+            <a:r>
+              <a:rPr lang="ko-KR" altLang="en-US" sz="2800" dirty="0">
+                <a:latin typeface="Gowun Batang" pitchFamily="2" charset="-127"/>
+                <a:ea typeface="Gowun Batang" pitchFamily="2" charset="-127"/>
+              </a:rPr>
+              <a:t>에게 물어보라</a:t>
+            </a:r>
+            <a:r>
+              <a:rPr lang="en-US" altLang="ko-KR" sz="2800" dirty="0">
+                <a:latin typeface="Gowun Batang" pitchFamily="2" charset="-127"/>
+                <a:ea typeface="Gowun Batang" pitchFamily="2" charset="-127"/>
+              </a:rPr>
+              <a:t>.</a:t>
+            </a:r>
+          </a:p>
+          <a:p>
+            <a:pPr marL="285750" indent="-285750">
+              <a:buFontTx/>
+              <a:buChar char="-"/>
+            </a:pPr>
+            <a:endParaRPr lang="en-US" altLang="ko-KR" sz="2800" dirty="0">
+              <a:latin typeface="Gowun Batang" pitchFamily="2" charset="-127"/>
+              <a:ea typeface="Gowun Batang" pitchFamily="2" charset="-127"/>
+            </a:endParaRPr>
+          </a:p>
+        </p:txBody>
+      </p:sp>
+      <p:sp>
+        <p:nvSpPr>
           <p:cNvPr id="2" name="제목 1">
             <a:extLst>
               <a:ext uri="{FF2B5EF4-FFF2-40B4-BE49-F238E27FC236}">
@@ -3482,108 +4099,46 @@
           <a:lstStyle/>
           <a:p>
             <a:r>
-              <a:rPr lang="en-US" altLang="ko-KR" sz="4400" dirty="0"/>
+              <a:rPr lang="en-US" altLang="ko-KR" sz="4400" dirty="0">
+                <a:latin typeface="Gowun Batang" pitchFamily="2" charset="-127"/>
+                <a:ea typeface="Gowun Batang" pitchFamily="2" charset="-127"/>
+              </a:rPr>
               <a:t>13</a:t>
             </a:r>
             <a:r>
-              <a:rPr lang="ko-KR" altLang="en-US" sz="4400" dirty="0"/>
+              <a:rPr lang="ko-KR" altLang="en-US" sz="4400" dirty="0">
+                <a:latin typeface="Gowun Batang" pitchFamily="2" charset="-127"/>
+                <a:ea typeface="Gowun Batang" pitchFamily="2" charset="-127"/>
+              </a:rPr>
               <a:t>장 본보기의 법칙</a:t>
             </a:r>
             <a:r>
-              <a:rPr lang="en-US" altLang="ko-KR" sz="4400" dirty="0"/>
+              <a:rPr lang="en-US" altLang="ko-KR" sz="4400" dirty="0">
+                <a:latin typeface="Gowun Batang" pitchFamily="2" charset="-127"/>
+                <a:ea typeface="Gowun Batang" pitchFamily="2" charset="-127"/>
+              </a:rPr>
               <a:t> </a:t>
             </a:r>
             <a:r>
-              <a:rPr lang="en-US" altLang="ko-KR" sz="2000" dirty="0"/>
+              <a:rPr lang="en-US" altLang="ko-KR" sz="2000" dirty="0">
+                <a:latin typeface="Gowun Batang" pitchFamily="2" charset="-127"/>
+                <a:ea typeface="Gowun Batang" pitchFamily="2" charset="-127"/>
+              </a:rPr>
               <a:t>THE LAW OF MODELING </a:t>
             </a:r>
-            <a:endParaRPr lang="ko-KR" altLang="en-US" sz="4400" dirty="0"/>
-          </a:p>
-        </p:txBody>
-      </p:sp>
-      <p:sp>
-        <p:nvSpPr>
-          <p:cNvPr id="11" name="TextBox 10">
-            <a:extLst>
-              <a:ext uri="{FF2B5EF4-FFF2-40B4-BE49-F238E27FC236}">
-                <a16:creationId xmlns:a16="http://schemas.microsoft.com/office/drawing/2014/main" id="{D739D7D5-B2B3-4972-B24F-0EDF033D81F7}"/>
-              </a:ext>
-            </a:extLst>
-          </p:cNvPr>
-          <p:cNvSpPr txBox="1"/>
-          <p:nvPr/>
-        </p:nvSpPr>
-        <p:spPr>
-          <a:xfrm>
-            <a:off x="5588805" y="4318977"/>
-            <a:ext cx="4823011" cy="1200329"/>
-          </a:xfrm>
-          <a:prstGeom prst="rect">
-            <a:avLst/>
-          </a:prstGeom>
-          <a:noFill/>
-        </p:spPr>
-        <p:txBody>
-          <a:bodyPr wrap="square" rtlCol="0">
-            <a:spAutoFit/>
-          </a:bodyPr>
-          <a:lstStyle/>
-          <a:p>
-            <a:r>
-              <a:rPr lang="en-US" altLang="ko-KR" dirty="0"/>
-              <a:t>Let me go</a:t>
-            </a:r>
-          </a:p>
-          <a:p>
-            <a:r>
-              <a:rPr lang="en-US" altLang="ko-KR" dirty="0"/>
-              <a:t>I don’t </a:t>
-            </a:r>
-            <a:r>
-              <a:rPr lang="en-US" altLang="ko-KR" dirty="0" err="1"/>
-              <a:t>wanna</a:t>
-            </a:r>
-            <a:r>
-              <a:rPr lang="en-US" altLang="ko-KR" dirty="0"/>
-              <a:t> be your hero</a:t>
-            </a:r>
-          </a:p>
-          <a:p>
-            <a:r>
-              <a:rPr lang="en-US" altLang="ko-KR" dirty="0"/>
-              <a:t>I don’t </a:t>
-            </a:r>
-            <a:r>
-              <a:rPr lang="en-US" altLang="ko-KR" dirty="0" err="1"/>
-              <a:t>wanna</a:t>
-            </a:r>
-            <a:r>
-              <a:rPr lang="en-US" altLang="ko-KR" dirty="0"/>
-              <a:t> be a big man</a:t>
-            </a:r>
-          </a:p>
-          <a:p>
-            <a:r>
-              <a:rPr lang="en-US" altLang="ko-KR" dirty="0"/>
-              <a:t>Just </a:t>
-            </a:r>
-            <a:r>
-              <a:rPr lang="en-US" altLang="ko-KR" dirty="0" err="1"/>
-              <a:t>wanna</a:t>
-            </a:r>
-            <a:r>
-              <a:rPr lang="en-US" altLang="ko-KR" dirty="0"/>
-              <a:t> fight with everyone else</a:t>
-            </a:r>
+            <a:endParaRPr lang="ko-KR" altLang="en-US" sz="4400" dirty="0">
+              <a:latin typeface="Gowun Batang" pitchFamily="2" charset="-127"/>
+              <a:ea typeface="Gowun Batang" pitchFamily="2" charset="-127"/>
+            </a:endParaRPr>
           </a:p>
         </p:txBody>
       </p:sp>
       <p:pic>
         <p:nvPicPr>
-          <p:cNvPr id="1026" name="Picture 2" descr="Family of the Year - Hero (Lyrics) | From Boyhood Movie - YouTube">
-            <a:extLst>
-              <a:ext uri="{FF2B5EF4-FFF2-40B4-BE49-F238E27FC236}">
-                <a16:creationId xmlns:a16="http://schemas.microsoft.com/office/drawing/2014/main" id="{C68E57D4-5549-4567-B78A-AF4A256772FF}"/>
+          <p:cNvPr id="1028" name="Picture 4" descr="멘토와 멘토링, 역할과 효과">
+            <a:extLst>
+              <a:ext uri="{FF2B5EF4-FFF2-40B4-BE49-F238E27FC236}">
+                <a16:creationId xmlns:a16="http://schemas.microsoft.com/office/drawing/2014/main" id="{E1304A94-D204-4E43-B128-BFD689AB7502}"/>
               </a:ext>
             </a:extLst>
           </p:cNvPr>
@@ -3607,8 +4162,8 @@
         </p:blipFill>
         <p:spPr bwMode="auto">
           <a:xfrm>
-            <a:off x="5588805" y="1328557"/>
-            <a:ext cx="3818965" cy="2864224"/>
+            <a:off x="7215036" y="2429062"/>
+            <a:ext cx="4560794" cy="2584450"/>
           </a:xfrm>
           <a:prstGeom prst="rect">
             <a:avLst/>
@@ -3627,164 +4182,37 @@
       </p:pic>
       <p:sp>
         <p:nvSpPr>
-          <p:cNvPr id="14" name="TextBox 13">
-            <a:extLst>
-              <a:ext uri="{FF2B5EF4-FFF2-40B4-BE49-F238E27FC236}">
-                <a16:creationId xmlns:a16="http://schemas.microsoft.com/office/drawing/2014/main" id="{0BF23D46-A077-451D-8F38-546CB2D2A729}"/>
-              </a:ext>
-            </a:extLst>
-          </p:cNvPr>
-          <p:cNvSpPr txBox="1"/>
-          <p:nvPr/>
-        </p:nvSpPr>
-        <p:spPr>
-          <a:xfrm>
-            <a:off x="416169" y="1237130"/>
-            <a:ext cx="4823011" cy="4801314"/>
-          </a:xfrm>
-          <a:prstGeom prst="rect">
-            <a:avLst/>
-          </a:prstGeom>
-          <a:noFill/>
-        </p:spPr>
-        <p:txBody>
-          <a:bodyPr wrap="square" rtlCol="0">
-            <a:spAutoFit/>
-          </a:bodyPr>
-          <a:lstStyle/>
-          <a:p>
-            <a:pPr marL="285750" indent="-285750">
-              <a:buFontTx/>
-              <a:buChar char="-"/>
-            </a:pPr>
-            <a:r>
-              <a:rPr lang="ko-KR" altLang="en-US" dirty="0"/>
-              <a:t>성장하기로 결단하는 사람들은 대부분 책 속에서 첫번째 멘토를 찾는다</a:t>
-            </a:r>
-            <a:r>
-              <a:rPr lang="en-US" altLang="ko-KR" dirty="0"/>
-              <a:t>.</a:t>
-            </a:r>
-          </a:p>
-          <a:p>
-            <a:pPr marL="285750" indent="-285750">
-              <a:buFontTx/>
-              <a:buChar char="-"/>
-            </a:pPr>
-            <a:r>
-              <a:rPr lang="ko-KR" altLang="en-US" dirty="0"/>
-              <a:t>좋은 멘토는 모범이 된다</a:t>
-            </a:r>
-            <a:r>
-              <a:rPr lang="en-US" altLang="ko-KR" dirty="0"/>
-              <a:t>.</a:t>
-            </a:r>
-          </a:p>
-          <a:p>
-            <a:pPr marL="285750" indent="-285750">
-              <a:buFontTx/>
-              <a:buChar char="-"/>
-            </a:pPr>
-            <a:r>
-              <a:rPr lang="ko-KR" altLang="en-US" dirty="0"/>
-              <a:t>앞에 있는 길을 알고 싶으면 돌아오는 사람에게 물어보라</a:t>
-            </a:r>
-            <a:endParaRPr lang="en-US" altLang="ko-KR" dirty="0"/>
-          </a:p>
-          <a:p>
-            <a:pPr marL="285750" indent="-285750">
-              <a:buFontTx/>
-              <a:buChar char="-"/>
-            </a:pPr>
-            <a:r>
-              <a:rPr lang="ko-KR" altLang="en-US" dirty="0"/>
-              <a:t>모든 리더는 자기가 존경하는 사람의 영향을 받는다</a:t>
-            </a:r>
-            <a:r>
-              <a:rPr lang="en-US" altLang="ko-KR" dirty="0"/>
-              <a:t>.</a:t>
-            </a:r>
-          </a:p>
-          <a:p>
-            <a:r>
-              <a:rPr lang="en-US" altLang="ko-KR" dirty="0"/>
-              <a:t>  - </a:t>
-            </a:r>
-            <a:r>
-              <a:rPr lang="ko-KR" altLang="en-US" dirty="0"/>
-              <a:t>사람들에게 힘을 주는 리더는 자기가 존경하는 사람에 관해 읽고</a:t>
-            </a:r>
-            <a:r>
-              <a:rPr lang="en-US" altLang="ko-KR" dirty="0"/>
-              <a:t>, </a:t>
-            </a:r>
-            <a:r>
-              <a:rPr lang="ko-KR" altLang="en-US" dirty="0"/>
-              <a:t>그의 특징을 연구하면서 자연스럽게 자기만의 리더십을 계발한다</a:t>
-            </a:r>
-            <a:r>
-              <a:rPr lang="en-US" altLang="ko-KR" dirty="0"/>
-              <a:t>.</a:t>
-            </a:r>
-          </a:p>
-          <a:p>
-            <a:pPr marL="285750" indent="-285750">
-              <a:buFontTx/>
-              <a:buChar char="-"/>
-            </a:pPr>
-            <a:r>
-              <a:rPr lang="ko-KR" altLang="en-US" dirty="0"/>
-              <a:t>멘토의 경험</a:t>
-            </a:r>
-            <a:r>
-              <a:rPr lang="en-US" altLang="ko-KR" dirty="0"/>
-              <a:t>, </a:t>
-            </a:r>
-            <a:r>
-              <a:rPr lang="ko-KR" altLang="en-US" dirty="0"/>
-              <a:t>안목</a:t>
-            </a:r>
-            <a:r>
-              <a:rPr lang="en-US" altLang="ko-KR" dirty="0"/>
-              <a:t>, </a:t>
-            </a:r>
-            <a:r>
-              <a:rPr lang="ko-KR" altLang="en-US" dirty="0"/>
-              <a:t>지식의 도움을 받으면 우리가 혼자서는 애먹었을 문제를 빠르게 해결할 수 있다</a:t>
-            </a:r>
-            <a:r>
-              <a:rPr lang="en-US" altLang="ko-KR" dirty="0"/>
-              <a:t>.</a:t>
-            </a:r>
-          </a:p>
-          <a:p>
-            <a:pPr marL="285750" indent="-285750">
-              <a:buFontTx/>
-              <a:buChar char="-"/>
-            </a:pPr>
-            <a:r>
-              <a:rPr lang="ko-KR" altLang="en-US" dirty="0"/>
-              <a:t>누구에게나 강점을 갈고 닦거나 문제를 해결하는 데 도움을 줄 사람이 필요하다</a:t>
-            </a:r>
-            <a:r>
-              <a:rPr lang="en-US" altLang="ko-KR"/>
-              <a:t>.</a:t>
-            </a:r>
-            <a:endParaRPr lang="en-US" altLang="ko-KR" dirty="0"/>
-          </a:p>
-          <a:p>
-            <a:pPr marL="285750" indent="-285750">
-              <a:buFontTx/>
-              <a:buChar char="-"/>
-            </a:pPr>
-            <a:endParaRPr lang="en-US" altLang="ko-KR" dirty="0"/>
+          <p:cNvPr id="3" name="슬라이드 번호 개체 틀 2">
+            <a:extLst>
+              <a:ext uri="{FF2B5EF4-FFF2-40B4-BE49-F238E27FC236}">
+                <a16:creationId xmlns:a16="http://schemas.microsoft.com/office/drawing/2014/main" id="{22A7A6A2-15EF-4DD0-B10C-99E508935D5E}"/>
+              </a:ext>
+            </a:extLst>
+          </p:cNvPr>
+          <p:cNvSpPr>
+            <a:spLocks noGrp="1"/>
+          </p:cNvSpPr>
+          <p:nvPr>
+            <p:ph type="sldNum" sz="quarter" idx="12"/>
+          </p:nvPr>
+        </p:nvSpPr>
+        <p:spPr/>
+        <p:txBody>
+          <a:bodyPr/>
+          <a:lstStyle/>
+          <a:p>
+            <a:fld id="{21B4BBCE-2797-41B5-8BA4-105457AB5E7A}" type="slidenum">
+              <a:rPr lang="ko-KR" altLang="en-US" smtClean="0"/>
+              <a:t>2</a:t>
+            </a:fld>
+            <a:endParaRPr lang="ko-KR" altLang="en-US"/>
           </a:p>
         </p:txBody>
       </p:sp>
     </p:spTree>
     <p:extLst>
       <p:ext uri="{BB962C8B-B14F-4D97-AF65-F5344CB8AC3E}">
-        <p14:creationId xmlns:p14="http://schemas.microsoft.com/office/powerpoint/2010/main" val="837565299"/>
+        <p14:creationId xmlns:p14="http://schemas.microsoft.com/office/powerpoint/2010/main" val="1469311576"/>
       </p:ext>
     </p:extLst>
   </p:cSld>
@@ -3813,6 +4241,657 @@
       </p:grpSpPr>
       <p:sp>
         <p:nvSpPr>
+          <p:cNvPr id="14" name="TextBox 13">
+            <a:extLst>
+              <a:ext uri="{FF2B5EF4-FFF2-40B4-BE49-F238E27FC236}">
+                <a16:creationId xmlns:a16="http://schemas.microsoft.com/office/drawing/2014/main" id="{0BF23D46-A077-451D-8F38-546CB2D2A729}"/>
+              </a:ext>
+            </a:extLst>
+          </p:cNvPr>
+          <p:cNvSpPr txBox="1"/>
+          <p:nvPr/>
+        </p:nvSpPr>
+        <p:spPr>
+          <a:xfrm>
+            <a:off x="416170" y="1918448"/>
+            <a:ext cx="6630090" cy="3539430"/>
+          </a:xfrm>
+          <a:prstGeom prst="rect">
+            <a:avLst/>
+          </a:prstGeom>
+          <a:noFill/>
+        </p:spPr>
+        <p:txBody>
+          <a:bodyPr wrap="square" rtlCol="0">
+            <a:spAutoFit/>
+          </a:bodyPr>
+          <a:lstStyle/>
+          <a:p>
+            <a:r>
+              <a:rPr lang="en-US" altLang="ko-KR" sz="2800" dirty="0">
+                <a:latin typeface="Gowun Batang" pitchFamily="2" charset="-127"/>
+                <a:ea typeface="Gowun Batang" pitchFamily="2" charset="-127"/>
+              </a:rPr>
+              <a:t>- </a:t>
+            </a:r>
+            <a:r>
+              <a:rPr lang="ko-KR" altLang="en-US" sz="2800" dirty="0">
+                <a:latin typeface="Gowun Batang" pitchFamily="2" charset="-127"/>
+                <a:ea typeface="Gowun Batang" pitchFamily="2" charset="-127"/>
+              </a:rPr>
+              <a:t>모든 리더는 자기가 </a:t>
+            </a:r>
+            <a:r>
+              <a:rPr lang="ko-KR" altLang="en-US" sz="2800" b="1" dirty="0">
+                <a:latin typeface="Gowun Batang" pitchFamily="2" charset="-127"/>
+                <a:ea typeface="Gowun Batang" pitchFamily="2" charset="-127"/>
+              </a:rPr>
+              <a:t>존경하는 사람의 영향</a:t>
+            </a:r>
+            <a:r>
+              <a:rPr lang="ko-KR" altLang="en-US" sz="2800" dirty="0">
+                <a:latin typeface="Gowun Batang" pitchFamily="2" charset="-127"/>
+                <a:ea typeface="Gowun Batang" pitchFamily="2" charset="-127"/>
+              </a:rPr>
+              <a:t>을 받는다</a:t>
+            </a:r>
+            <a:r>
+              <a:rPr lang="en-US" altLang="ko-KR" sz="2800" dirty="0">
+                <a:latin typeface="Gowun Batang" pitchFamily="2" charset="-127"/>
+                <a:ea typeface="Gowun Batang" pitchFamily="2" charset="-127"/>
+              </a:rPr>
+              <a:t>.</a:t>
+            </a:r>
+          </a:p>
+          <a:p>
+            <a:endParaRPr lang="en-US" altLang="ko-KR" sz="2800" dirty="0">
+              <a:latin typeface="Gowun Batang" pitchFamily="2" charset="-127"/>
+              <a:ea typeface="Gowun Batang" pitchFamily="2" charset="-127"/>
+            </a:endParaRPr>
+          </a:p>
+          <a:p>
+            <a:r>
+              <a:rPr lang="en-US" altLang="ko-KR" sz="2800" dirty="0">
+                <a:latin typeface="Gowun Batang" pitchFamily="2" charset="-127"/>
+                <a:ea typeface="Gowun Batang" pitchFamily="2" charset="-127"/>
+              </a:rPr>
+              <a:t>- </a:t>
+            </a:r>
+            <a:r>
+              <a:rPr lang="ko-KR" altLang="en-US" sz="2800" dirty="0">
+                <a:latin typeface="Gowun Batang" pitchFamily="2" charset="-127"/>
+                <a:ea typeface="Gowun Batang" pitchFamily="2" charset="-127"/>
+              </a:rPr>
+              <a:t>사람들에게 힘을 주는 리더는 자기가 </a:t>
+            </a:r>
+            <a:r>
+              <a:rPr lang="ko-KR" altLang="en-US" sz="2800" b="1" dirty="0">
+                <a:latin typeface="Gowun Batang" pitchFamily="2" charset="-127"/>
+                <a:ea typeface="Gowun Batang" pitchFamily="2" charset="-127"/>
+              </a:rPr>
+              <a:t>존경하는 사람</a:t>
+            </a:r>
+            <a:r>
+              <a:rPr lang="ko-KR" altLang="en-US" sz="2800" dirty="0">
+                <a:latin typeface="Gowun Batang" pitchFamily="2" charset="-127"/>
+                <a:ea typeface="Gowun Batang" pitchFamily="2" charset="-127"/>
+              </a:rPr>
+              <a:t>에 관해 읽고</a:t>
+            </a:r>
+            <a:r>
+              <a:rPr lang="en-US" altLang="ko-KR" sz="2800" dirty="0">
+                <a:latin typeface="Gowun Batang" pitchFamily="2" charset="-127"/>
+                <a:ea typeface="Gowun Batang" pitchFamily="2" charset="-127"/>
+              </a:rPr>
+              <a:t>, </a:t>
+            </a:r>
+            <a:r>
+              <a:rPr lang="ko-KR" altLang="en-US" sz="2800" dirty="0">
+                <a:latin typeface="Gowun Batang" pitchFamily="2" charset="-127"/>
+                <a:ea typeface="Gowun Batang" pitchFamily="2" charset="-127"/>
+              </a:rPr>
+              <a:t>그의 특징을 연구하면서 자연스럽게 </a:t>
+            </a:r>
+            <a:r>
+              <a:rPr lang="ko-KR" altLang="en-US" sz="2800" dirty="0">
+                <a:highlight>
+                  <a:srgbClr val="FFFF00"/>
+                </a:highlight>
+                <a:latin typeface="Gowun Batang" pitchFamily="2" charset="-127"/>
+                <a:ea typeface="Gowun Batang" pitchFamily="2" charset="-127"/>
+              </a:rPr>
+              <a:t>자기만의 리더십</a:t>
+            </a:r>
+            <a:r>
+              <a:rPr lang="ko-KR" altLang="en-US" sz="2800" dirty="0">
+                <a:latin typeface="Gowun Batang" pitchFamily="2" charset="-127"/>
+                <a:ea typeface="Gowun Batang" pitchFamily="2" charset="-127"/>
+              </a:rPr>
+              <a:t>을 계발한다</a:t>
+            </a:r>
+            <a:r>
+              <a:rPr lang="en-US" altLang="ko-KR" sz="2800" dirty="0">
+                <a:latin typeface="Gowun Batang" pitchFamily="2" charset="-127"/>
+                <a:ea typeface="Gowun Batang" pitchFamily="2" charset="-127"/>
+              </a:rPr>
+              <a:t>.</a:t>
+            </a:r>
+          </a:p>
+          <a:p>
+            <a:pPr marL="285750" indent="-285750">
+              <a:buFontTx/>
+              <a:buChar char="-"/>
+            </a:pPr>
+            <a:endParaRPr lang="en-US" altLang="ko-KR" sz="2800" dirty="0">
+              <a:latin typeface="Gowun Batang" pitchFamily="2" charset="-127"/>
+              <a:ea typeface="Gowun Batang" pitchFamily="2" charset="-127"/>
+            </a:endParaRPr>
+          </a:p>
+        </p:txBody>
+      </p:sp>
+      <p:sp>
+        <p:nvSpPr>
+          <p:cNvPr id="2" name="제목 1">
+            <a:extLst>
+              <a:ext uri="{FF2B5EF4-FFF2-40B4-BE49-F238E27FC236}">
+                <a16:creationId xmlns:a16="http://schemas.microsoft.com/office/drawing/2014/main" id="{11D2B000-75F2-4B26-A9D4-73447CBD3863}"/>
+              </a:ext>
+            </a:extLst>
+          </p:cNvPr>
+          <p:cNvSpPr>
+            <a:spLocks noGrp="1"/>
+          </p:cNvSpPr>
+          <p:nvPr>
+            <p:ph type="ctrTitle"/>
+          </p:nvPr>
+        </p:nvSpPr>
+        <p:spPr>
+          <a:xfrm>
+            <a:off x="416169" y="137869"/>
+            <a:ext cx="11359661" cy="811701"/>
+          </a:xfrm>
+        </p:spPr>
+        <p:txBody>
+          <a:bodyPr>
+            <a:normAutofit/>
+          </a:bodyPr>
+          <a:lstStyle/>
+          <a:p>
+            <a:r>
+              <a:rPr lang="en-US" altLang="ko-KR" sz="4400" dirty="0">
+                <a:latin typeface="Gowun Batang" pitchFamily="2" charset="-127"/>
+                <a:ea typeface="Gowun Batang" pitchFamily="2" charset="-127"/>
+              </a:rPr>
+              <a:t>13</a:t>
+            </a:r>
+            <a:r>
+              <a:rPr lang="ko-KR" altLang="en-US" sz="4400" dirty="0">
+                <a:latin typeface="Gowun Batang" pitchFamily="2" charset="-127"/>
+                <a:ea typeface="Gowun Batang" pitchFamily="2" charset="-127"/>
+              </a:rPr>
+              <a:t>장 본보기의 법칙</a:t>
+            </a:r>
+            <a:r>
+              <a:rPr lang="en-US" altLang="ko-KR" sz="4400" dirty="0">
+                <a:latin typeface="Gowun Batang" pitchFamily="2" charset="-127"/>
+                <a:ea typeface="Gowun Batang" pitchFamily="2" charset="-127"/>
+              </a:rPr>
+              <a:t> </a:t>
+            </a:r>
+            <a:r>
+              <a:rPr lang="en-US" altLang="ko-KR" sz="2000" dirty="0">
+                <a:latin typeface="Gowun Batang" pitchFamily="2" charset="-127"/>
+                <a:ea typeface="Gowun Batang" pitchFamily="2" charset="-127"/>
+              </a:rPr>
+              <a:t>THE LAW OF MODELING </a:t>
+            </a:r>
+            <a:endParaRPr lang="ko-KR" altLang="en-US" sz="4400" dirty="0">
+              <a:latin typeface="Gowun Batang" pitchFamily="2" charset="-127"/>
+              <a:ea typeface="Gowun Batang" pitchFamily="2" charset="-127"/>
+            </a:endParaRPr>
+          </a:p>
+        </p:txBody>
+      </p:sp>
+      <p:pic>
+        <p:nvPicPr>
+          <p:cNvPr id="3" name="Picture 2" descr="내게 맞는 멘토 찾는 법">
+            <a:extLst>
+              <a:ext uri="{FF2B5EF4-FFF2-40B4-BE49-F238E27FC236}">
+                <a16:creationId xmlns:a16="http://schemas.microsoft.com/office/drawing/2014/main" id="{8B967997-7E30-4073-B0BC-6A0B8A5ADCB5}"/>
+              </a:ext>
+            </a:extLst>
+          </p:cNvPr>
+          <p:cNvPicPr>
+            <a:picLocks noChangeAspect="1" noChangeArrowheads="1"/>
+          </p:cNvPicPr>
+          <p:nvPr/>
+        </p:nvPicPr>
+        <p:blipFill>
+          <a:blip r:embed="rId2">
+            <a:extLst>
+              <a:ext uri="{28A0092B-C50C-407E-A947-70E740481C1C}">
+                <a14:useLocalDpi xmlns:a14="http://schemas.microsoft.com/office/drawing/2010/main" val="0"/>
+              </a:ext>
+            </a:extLst>
+          </a:blip>
+          <a:srcRect/>
+          <a:stretch>
+            <a:fillRect/>
+          </a:stretch>
+        </p:blipFill>
+        <p:spPr bwMode="auto">
+          <a:xfrm>
+            <a:off x="7162800" y="1918448"/>
+            <a:ext cx="4715556" cy="3308257"/>
+          </a:xfrm>
+          <a:prstGeom prst="rect">
+            <a:avLst/>
+          </a:prstGeom>
+          <a:noFill/>
+          <a:extLst>
+            <a:ext uri="{909E8E84-426E-40DD-AFC4-6F175D3DCCD1}">
+              <a14:hiddenFill xmlns:a14="http://schemas.microsoft.com/office/drawing/2010/main">
+                <a:solidFill>
+                  <a:srgbClr val="FFFFFF"/>
+                </a:solidFill>
+              </a14:hiddenFill>
+            </a:ext>
+          </a:extLst>
+        </p:spPr>
+      </p:pic>
+      <p:sp>
+        <p:nvSpPr>
+          <p:cNvPr id="4" name="슬라이드 번호 개체 틀 3">
+            <a:extLst>
+              <a:ext uri="{FF2B5EF4-FFF2-40B4-BE49-F238E27FC236}">
+                <a16:creationId xmlns:a16="http://schemas.microsoft.com/office/drawing/2014/main" id="{CBFCC3D3-7A82-4B60-BA62-290CD0285C97}"/>
+              </a:ext>
+            </a:extLst>
+          </p:cNvPr>
+          <p:cNvSpPr>
+            <a:spLocks noGrp="1"/>
+          </p:cNvSpPr>
+          <p:nvPr>
+            <p:ph type="sldNum" sz="quarter" idx="12"/>
+          </p:nvPr>
+        </p:nvSpPr>
+        <p:spPr/>
+        <p:txBody>
+          <a:bodyPr/>
+          <a:lstStyle/>
+          <a:p>
+            <a:fld id="{21B4BBCE-2797-41B5-8BA4-105457AB5E7A}" type="slidenum">
+              <a:rPr lang="ko-KR" altLang="en-US" smtClean="0"/>
+              <a:t>3</a:t>
+            </a:fld>
+            <a:endParaRPr lang="ko-KR" altLang="en-US"/>
+          </a:p>
+        </p:txBody>
+      </p:sp>
+    </p:spTree>
+    <p:extLst>
+      <p:ext uri="{BB962C8B-B14F-4D97-AF65-F5344CB8AC3E}">
+        <p14:creationId xmlns:p14="http://schemas.microsoft.com/office/powerpoint/2010/main" val="2654386583"/>
+      </p:ext>
+    </p:extLst>
+  </p:cSld>
+  <p:clrMapOvr>
+    <a:masterClrMapping/>
+  </p:clrMapOvr>
+</p:sld>
+</file>
+
+<file path=ppt/slides/slide4.xml><?xml version="1.0" encoding="utf-8"?>
+<p:sld xmlns:a="http://schemas.openxmlformats.org/drawingml/2006/main" xmlns:r="http://schemas.openxmlformats.org/officeDocument/2006/relationships" xmlns:p="http://schemas.openxmlformats.org/presentationml/2006/main">
+  <p:cSld>
+    <p:spTree>
+      <p:nvGrpSpPr>
+        <p:cNvPr id="1" name=""/>
+        <p:cNvGrpSpPr/>
+        <p:nvPr/>
+      </p:nvGrpSpPr>
+      <p:grpSpPr>
+        <a:xfrm>
+          <a:off x="0" y="0"/>
+          <a:ext cx="0" cy="0"/>
+          <a:chOff x="0" y="0"/>
+          <a:chExt cx="0" cy="0"/>
+        </a:xfrm>
+      </p:grpSpPr>
+      <p:sp>
+        <p:nvSpPr>
+          <p:cNvPr id="14" name="TextBox 13">
+            <a:extLst>
+              <a:ext uri="{FF2B5EF4-FFF2-40B4-BE49-F238E27FC236}">
+                <a16:creationId xmlns:a16="http://schemas.microsoft.com/office/drawing/2014/main" id="{0BF23D46-A077-451D-8F38-546CB2D2A729}"/>
+              </a:ext>
+            </a:extLst>
+          </p:cNvPr>
+          <p:cNvSpPr txBox="1"/>
+          <p:nvPr/>
+        </p:nvSpPr>
+        <p:spPr>
+          <a:xfrm>
+            <a:off x="416169" y="1237130"/>
+            <a:ext cx="10682137" cy="1261884"/>
+          </a:xfrm>
+          <a:prstGeom prst="rect">
+            <a:avLst/>
+          </a:prstGeom>
+          <a:noFill/>
+        </p:spPr>
+        <p:txBody>
+          <a:bodyPr wrap="square" rtlCol="0">
+            <a:spAutoFit/>
+          </a:bodyPr>
+          <a:lstStyle/>
+          <a:p>
+            <a:r>
+              <a:rPr lang="en-US" altLang="ko-KR" sz="2800" dirty="0">
+                <a:latin typeface="Gowun Batang" pitchFamily="2" charset="-127"/>
+                <a:ea typeface="Gowun Batang" pitchFamily="2" charset="-127"/>
+              </a:rPr>
+              <a:t>- </a:t>
+            </a:r>
+            <a:r>
+              <a:rPr lang="ko-KR" altLang="en-US" sz="2800" dirty="0">
+                <a:latin typeface="Gowun Batang" pitchFamily="2" charset="-127"/>
+                <a:ea typeface="Gowun Batang" pitchFamily="2" charset="-127"/>
+              </a:rPr>
+              <a:t>누구에게나 강점을 갈고 닦거나 문제를 해결하는 데 도움을 줄 </a:t>
+            </a:r>
+            <a:r>
+              <a:rPr lang="ko-KR" altLang="en-US" sz="2800" b="1" dirty="0">
+                <a:latin typeface="Gowun Batang" pitchFamily="2" charset="-127"/>
+                <a:ea typeface="Gowun Batang" pitchFamily="2" charset="-127"/>
+              </a:rPr>
+              <a:t>사람</a:t>
+            </a:r>
+            <a:r>
+              <a:rPr lang="ko-KR" altLang="en-US" sz="2800" dirty="0">
+                <a:latin typeface="Gowun Batang" pitchFamily="2" charset="-127"/>
+                <a:ea typeface="Gowun Batang" pitchFamily="2" charset="-127"/>
+              </a:rPr>
+              <a:t>이 필요하다</a:t>
+            </a:r>
+            <a:r>
+              <a:rPr lang="en-US" altLang="ko-KR" sz="2800" dirty="0">
+                <a:latin typeface="Gowun Batang" pitchFamily="2" charset="-127"/>
+                <a:ea typeface="Gowun Batang" pitchFamily="2" charset="-127"/>
+              </a:rPr>
+              <a:t>.</a:t>
+            </a:r>
+          </a:p>
+          <a:p>
+            <a:endParaRPr lang="en-US" altLang="ko-KR" sz="2000" dirty="0"/>
+          </a:p>
+        </p:txBody>
+      </p:sp>
+      <p:sp>
+        <p:nvSpPr>
+          <p:cNvPr id="2" name="제목 1">
+            <a:extLst>
+              <a:ext uri="{FF2B5EF4-FFF2-40B4-BE49-F238E27FC236}">
+                <a16:creationId xmlns:a16="http://schemas.microsoft.com/office/drawing/2014/main" id="{11D2B000-75F2-4B26-A9D4-73447CBD3863}"/>
+              </a:ext>
+            </a:extLst>
+          </p:cNvPr>
+          <p:cNvSpPr>
+            <a:spLocks noGrp="1"/>
+          </p:cNvSpPr>
+          <p:nvPr>
+            <p:ph type="ctrTitle"/>
+          </p:nvPr>
+        </p:nvSpPr>
+        <p:spPr>
+          <a:xfrm>
+            <a:off x="416169" y="137869"/>
+            <a:ext cx="11359661" cy="811701"/>
+          </a:xfrm>
+        </p:spPr>
+        <p:txBody>
+          <a:bodyPr>
+            <a:normAutofit/>
+          </a:bodyPr>
+          <a:lstStyle/>
+          <a:p>
+            <a:r>
+              <a:rPr lang="en-US" altLang="ko-KR" sz="4400" dirty="0">
+                <a:latin typeface="Gowun Batang" pitchFamily="2" charset="-127"/>
+                <a:ea typeface="Gowun Batang" pitchFamily="2" charset="-127"/>
+              </a:rPr>
+              <a:t>13</a:t>
+            </a:r>
+            <a:r>
+              <a:rPr lang="ko-KR" altLang="en-US" sz="4400" dirty="0">
+                <a:latin typeface="Gowun Batang" pitchFamily="2" charset="-127"/>
+                <a:ea typeface="Gowun Batang" pitchFamily="2" charset="-127"/>
+              </a:rPr>
+              <a:t>장 본보기의 법칙</a:t>
+            </a:r>
+            <a:r>
+              <a:rPr lang="en-US" altLang="ko-KR" sz="4400" dirty="0">
+                <a:latin typeface="Gowun Batang" pitchFamily="2" charset="-127"/>
+                <a:ea typeface="Gowun Batang" pitchFamily="2" charset="-127"/>
+              </a:rPr>
+              <a:t> </a:t>
+            </a:r>
+            <a:r>
+              <a:rPr lang="en-US" altLang="ko-KR" sz="2000" dirty="0">
+                <a:latin typeface="Gowun Batang" pitchFamily="2" charset="-127"/>
+                <a:ea typeface="Gowun Batang" pitchFamily="2" charset="-127"/>
+              </a:rPr>
+              <a:t>THE LAW OF MODELING </a:t>
+            </a:r>
+            <a:endParaRPr lang="ko-KR" altLang="en-US" sz="4400" dirty="0">
+              <a:latin typeface="Gowun Batang" pitchFamily="2" charset="-127"/>
+              <a:ea typeface="Gowun Batang" pitchFamily="2" charset="-127"/>
+            </a:endParaRPr>
+          </a:p>
+        </p:txBody>
+      </p:sp>
+      <p:pic>
+        <p:nvPicPr>
+          <p:cNvPr id="3076" name="Picture 4" descr="이미지">
+            <a:extLst>
+              <a:ext uri="{FF2B5EF4-FFF2-40B4-BE49-F238E27FC236}">
+                <a16:creationId xmlns:a16="http://schemas.microsoft.com/office/drawing/2014/main" id="{389A7BC8-4E47-4AE1-8A2D-80AD8C240F75}"/>
+              </a:ext>
+            </a:extLst>
+          </p:cNvPr>
+          <p:cNvPicPr>
+            <a:picLocks noChangeAspect="1" noChangeArrowheads="1"/>
+          </p:cNvPicPr>
+          <p:nvPr/>
+        </p:nvPicPr>
+        <p:blipFill>
+          <a:blip r:embed="rId2">
+            <a:extLst>
+              <a:ext uri="{28A0092B-C50C-407E-A947-70E740481C1C}">
+                <a14:useLocalDpi xmlns:a14="http://schemas.microsoft.com/office/drawing/2010/main" val="0"/>
+              </a:ext>
+            </a:extLst>
+          </a:blip>
+          <a:srcRect/>
+          <a:stretch>
+            <a:fillRect/>
+          </a:stretch>
+        </p:blipFill>
+        <p:spPr bwMode="auto">
+          <a:xfrm>
+            <a:off x="4299189" y="2275932"/>
+            <a:ext cx="2718121" cy="3624160"/>
+          </a:xfrm>
+          <a:prstGeom prst="rect">
+            <a:avLst/>
+          </a:prstGeom>
+          <a:noFill/>
+          <a:extLst>
+            <a:ext uri="{909E8E84-426E-40DD-AFC4-6F175D3DCCD1}">
+              <a14:hiddenFill xmlns:a14="http://schemas.microsoft.com/office/drawing/2010/main">
+                <a:solidFill>
+                  <a:srgbClr val="FFFFFF"/>
+                </a:solidFill>
+              </a14:hiddenFill>
+            </a:ext>
+          </a:extLst>
+        </p:spPr>
+      </p:pic>
+      <p:pic>
+        <p:nvPicPr>
+          <p:cNvPr id="3078" name="Picture 6" descr="서울경제신문">
+            <a:extLst>
+              <a:ext uri="{FF2B5EF4-FFF2-40B4-BE49-F238E27FC236}">
+                <a16:creationId xmlns:a16="http://schemas.microsoft.com/office/drawing/2014/main" id="{8CC33BC2-E111-43C1-8195-7EC5B144234E}"/>
+              </a:ext>
+            </a:extLst>
+          </p:cNvPr>
+          <p:cNvPicPr>
+            <a:picLocks noChangeAspect="1" noChangeArrowheads="1"/>
+          </p:cNvPicPr>
+          <p:nvPr/>
+        </p:nvPicPr>
+        <p:blipFill>
+          <a:blip r:embed="rId3">
+            <a:extLst>
+              <a:ext uri="{28A0092B-C50C-407E-A947-70E740481C1C}">
+                <a14:useLocalDpi xmlns:a14="http://schemas.microsoft.com/office/drawing/2010/main" val="0"/>
+              </a:ext>
+            </a:extLst>
+          </a:blip>
+          <a:srcRect/>
+          <a:stretch>
+            <a:fillRect/>
+          </a:stretch>
+        </p:blipFill>
+        <p:spPr bwMode="auto">
+          <a:xfrm>
+            <a:off x="1167662" y="2347650"/>
+            <a:ext cx="2718121" cy="4134692"/>
+          </a:xfrm>
+          <a:prstGeom prst="rect">
+            <a:avLst/>
+          </a:prstGeom>
+          <a:noFill/>
+          <a:extLst>
+            <a:ext uri="{909E8E84-426E-40DD-AFC4-6F175D3DCCD1}">
+              <a14:hiddenFill xmlns:a14="http://schemas.microsoft.com/office/drawing/2010/main">
+                <a:solidFill>
+                  <a:srgbClr val="FFFFFF"/>
+                </a:solidFill>
+              </a14:hiddenFill>
+            </a:ext>
+          </a:extLst>
+        </p:spPr>
+      </p:pic>
+      <p:pic>
+        <p:nvPicPr>
+          <p:cNvPr id="3080" name="Picture 8" descr="고대인의 시선] 어느 날 고궁을 나오면서 - 김수영 &lt; 여론 &lt; 여론 &lt; 기사본문 - 고대신문">
+            <a:extLst>
+              <a:ext uri="{FF2B5EF4-FFF2-40B4-BE49-F238E27FC236}">
+                <a16:creationId xmlns:a16="http://schemas.microsoft.com/office/drawing/2014/main" id="{FBC74FF8-BF7E-4177-BF3B-B884ABC574EE}"/>
+              </a:ext>
+            </a:extLst>
+          </p:cNvPr>
+          <p:cNvPicPr>
+            <a:picLocks noChangeAspect="1" noChangeArrowheads="1"/>
+          </p:cNvPicPr>
+          <p:nvPr/>
+        </p:nvPicPr>
+        <p:blipFill>
+          <a:blip r:embed="rId4">
+            <a:extLst>
+              <a:ext uri="{28A0092B-C50C-407E-A947-70E740481C1C}">
+                <a14:useLocalDpi xmlns:a14="http://schemas.microsoft.com/office/drawing/2010/main" val="0"/>
+              </a:ext>
+            </a:extLst>
+          </a:blip>
+          <a:srcRect/>
+          <a:stretch>
+            <a:fillRect/>
+          </a:stretch>
+        </p:blipFill>
+        <p:spPr bwMode="auto">
+          <a:xfrm>
+            <a:off x="7430716" y="2275932"/>
+            <a:ext cx="3667590" cy="3838745"/>
+          </a:xfrm>
+          <a:prstGeom prst="rect">
+            <a:avLst/>
+          </a:prstGeom>
+          <a:noFill/>
+          <a:extLst>
+            <a:ext uri="{909E8E84-426E-40DD-AFC4-6F175D3DCCD1}">
+              <a14:hiddenFill xmlns:a14="http://schemas.microsoft.com/office/drawing/2010/main">
+                <a:solidFill>
+                  <a:srgbClr val="FFFFFF"/>
+                </a:solidFill>
+              </a14:hiddenFill>
+            </a:ext>
+          </a:extLst>
+        </p:spPr>
+      </p:pic>
+      <p:sp>
+        <p:nvSpPr>
+          <p:cNvPr id="3" name="슬라이드 번호 개체 틀 2">
+            <a:extLst>
+              <a:ext uri="{FF2B5EF4-FFF2-40B4-BE49-F238E27FC236}">
+                <a16:creationId xmlns:a16="http://schemas.microsoft.com/office/drawing/2014/main" id="{92D27103-BFD4-4634-97B6-55630CE40D57}"/>
+              </a:ext>
+            </a:extLst>
+          </p:cNvPr>
+          <p:cNvSpPr>
+            <a:spLocks noGrp="1"/>
+          </p:cNvSpPr>
+          <p:nvPr>
+            <p:ph type="sldNum" sz="quarter" idx="12"/>
+          </p:nvPr>
+        </p:nvSpPr>
+        <p:spPr/>
+        <p:txBody>
+          <a:bodyPr/>
+          <a:lstStyle/>
+          <a:p>
+            <a:fld id="{21B4BBCE-2797-41B5-8BA4-105457AB5E7A}" type="slidenum">
+              <a:rPr lang="ko-KR" altLang="en-US" smtClean="0"/>
+              <a:t>4</a:t>
+            </a:fld>
+            <a:endParaRPr lang="ko-KR" altLang="en-US"/>
+          </a:p>
+        </p:txBody>
+      </p:sp>
+    </p:spTree>
+    <p:extLst>
+      <p:ext uri="{BB962C8B-B14F-4D97-AF65-F5344CB8AC3E}">
+        <p14:creationId xmlns:p14="http://schemas.microsoft.com/office/powerpoint/2010/main" val="683112920"/>
+      </p:ext>
+    </p:extLst>
+  </p:cSld>
+  <p:clrMapOvr>
+    <a:masterClrMapping/>
+  </p:clrMapOvr>
+</p:sld>
+</file>
+
+<file path=ppt/slides/slide5.xml><?xml version="1.0" encoding="utf-8"?>
+<p:sld xmlns:a="http://schemas.openxmlformats.org/drawingml/2006/main" xmlns:r="http://schemas.openxmlformats.org/officeDocument/2006/relationships" xmlns:p="http://schemas.openxmlformats.org/presentationml/2006/main">
+  <p:cSld>
+    <p:spTree>
+      <p:nvGrpSpPr>
+        <p:cNvPr id="1" name=""/>
+        <p:cNvGrpSpPr/>
+        <p:nvPr/>
+      </p:nvGrpSpPr>
+      <p:grpSpPr>
+        <a:xfrm>
+          <a:off x="0" y="0"/>
+          <a:ext cx="0" cy="0"/>
+          <a:chOff x="0" y="0"/>
+          <a:chExt cx="0" cy="0"/>
+        </a:xfrm>
+      </p:grpSpPr>
+      <p:sp>
+        <p:nvSpPr>
           <p:cNvPr id="4" name="제목 1">
             <a:extLst>
               <a:ext uri="{FF2B5EF4-FFF2-40B4-BE49-F238E27FC236}">
@@ -3859,71 +4938,56 @@
           </a:lstStyle>
           <a:p>
             <a:r>
-              <a:rPr lang="en-US" altLang="ko-KR" sz="4400" dirty="0"/>
+              <a:rPr lang="en-US" altLang="ko-KR" sz="4400" dirty="0">
+                <a:latin typeface="Gowun Batang" pitchFamily="2" charset="-127"/>
+                <a:ea typeface="Gowun Batang" pitchFamily="2" charset="-127"/>
+              </a:rPr>
               <a:t>14</a:t>
             </a:r>
             <a:r>
-              <a:rPr lang="ko-KR" altLang="en-US" sz="4400" dirty="0"/>
+              <a:rPr lang="ko-KR" altLang="en-US" sz="4400" dirty="0">
+                <a:latin typeface="Gowun Batang" pitchFamily="2" charset="-127"/>
+                <a:ea typeface="Gowun Batang" pitchFamily="2" charset="-127"/>
+              </a:rPr>
               <a:t>장 확장의 법칙</a:t>
             </a:r>
             <a:r>
-              <a:rPr lang="en-US" altLang="ko-KR" sz="4400" dirty="0"/>
+              <a:rPr lang="en-US" altLang="ko-KR" sz="4400" dirty="0">
+                <a:latin typeface="Gowun Batang" pitchFamily="2" charset="-127"/>
+                <a:ea typeface="Gowun Batang" pitchFamily="2" charset="-127"/>
+              </a:rPr>
               <a:t> </a:t>
             </a:r>
             <a:r>
-              <a:rPr lang="en-US" altLang="ko-KR" sz="2000" dirty="0"/>
+              <a:rPr lang="en-US" altLang="ko-KR" sz="2000" dirty="0">
+                <a:latin typeface="Gowun Batang" pitchFamily="2" charset="-127"/>
+                <a:ea typeface="Gowun Batang" pitchFamily="2" charset="-127"/>
+              </a:rPr>
               <a:t>THE LAW OF MODELING </a:t>
             </a:r>
-            <a:endParaRPr lang="ko-KR" altLang="en-US" sz="4400" dirty="0"/>
-          </a:p>
-        </p:txBody>
-      </p:sp>
-      <p:pic>
-        <p:nvPicPr>
-          <p:cNvPr id="6" name="그림 5">
-            <a:extLst>
-              <a:ext uri="{FF2B5EF4-FFF2-40B4-BE49-F238E27FC236}">
-                <a16:creationId xmlns:a16="http://schemas.microsoft.com/office/drawing/2014/main" id="{8DB14466-3A47-4BC2-BEF6-CDB5F454F1A4}"/>
-              </a:ext>
-            </a:extLst>
-          </p:cNvPr>
-          <p:cNvPicPr>
-            <a:picLocks noChangeAspect="1"/>
-          </p:cNvPicPr>
+            <a:endParaRPr lang="ko-KR" altLang="en-US" sz="4400" dirty="0">
+              <a:latin typeface="Gowun Batang" pitchFamily="2" charset="-127"/>
+              <a:ea typeface="Gowun Batang" pitchFamily="2" charset="-127"/>
+            </a:endParaRPr>
+          </a:p>
+        </p:txBody>
+      </p:sp>
+      <p:sp>
+        <p:nvSpPr>
+          <p:cNvPr id="11" name="TextBox 10">
+            <a:extLst>
+              <a:ext uri="{FF2B5EF4-FFF2-40B4-BE49-F238E27FC236}">
+                <a16:creationId xmlns:a16="http://schemas.microsoft.com/office/drawing/2014/main" id="{C088A0B8-44FE-47A7-9513-B653F2AFEAAC}"/>
+              </a:ext>
+            </a:extLst>
+          </p:cNvPr>
+          <p:cNvSpPr txBox="1"/>
           <p:nvPr/>
-        </p:nvPicPr>
-        <p:blipFill>
-          <a:blip r:embed="rId2"/>
-          <a:stretch>
-            <a:fillRect/>
-          </a:stretch>
-        </p:blipFill>
+        </p:nvSpPr>
         <p:spPr>
           <a:xfrm>
-            <a:off x="6745251" y="1514490"/>
-            <a:ext cx="5632739" cy="5035809"/>
-          </a:xfrm>
-          <a:prstGeom prst="rect">
-            <a:avLst/>
-          </a:prstGeom>
-        </p:spPr>
-      </p:pic>
-      <p:sp>
-        <p:nvSpPr>
-          <p:cNvPr id="11" name="TextBox 10">
-            <a:extLst>
-              <a:ext uri="{FF2B5EF4-FFF2-40B4-BE49-F238E27FC236}">
-                <a16:creationId xmlns:a16="http://schemas.microsoft.com/office/drawing/2014/main" id="{C088A0B8-44FE-47A7-9513-B653F2AFEAAC}"/>
-              </a:ext>
-            </a:extLst>
-          </p:cNvPr>
-          <p:cNvSpPr txBox="1"/>
-          <p:nvPr/>
-        </p:nvSpPr>
-        <p:spPr>
-          <a:xfrm>
-            <a:off x="416169" y="1237130"/>
-            <a:ext cx="4823011" cy="3139321"/>
+            <a:off x="416168" y="1541930"/>
+            <a:ext cx="8889197" cy="4832092"/>
           </a:xfrm>
           <a:prstGeom prst="rect">
             <a:avLst/>
@@ -3937,142 +5001,371 @@
           <a:lstStyle/>
           <a:p>
             <a:r>
-              <a:rPr lang="en-US" altLang="ko-KR" dirty="0"/>
+              <a:rPr lang="en-US" altLang="ko-KR" sz="2800" dirty="0">
+                <a:latin typeface="Gowun Batang" pitchFamily="2" charset="-127"/>
+                <a:ea typeface="Gowun Batang" pitchFamily="2" charset="-127"/>
+              </a:rPr>
               <a:t>- </a:t>
             </a:r>
             <a:r>
-              <a:rPr lang="ko-KR" altLang="en-US" dirty="0"/>
-              <a:t>한계는</a:t>
-            </a:r>
-            <a:r>
-              <a:rPr lang="en-US" altLang="ko-KR" dirty="0"/>
-              <a:t> </a:t>
-            </a:r>
-            <a:r>
-              <a:rPr lang="ko-KR" altLang="en-US" dirty="0"/>
-              <a:t>바로 당신 안에 있다</a:t>
-            </a:r>
-            <a:r>
-              <a:rPr lang="en-US" altLang="ko-KR" dirty="0"/>
+              <a:rPr lang="ko-KR" altLang="en-US" sz="2800" dirty="0">
+                <a:latin typeface="Gowun Batang" pitchFamily="2" charset="-127"/>
+                <a:ea typeface="Gowun Batang" pitchFamily="2" charset="-127"/>
+              </a:rPr>
+              <a:t>한계는 우리가 </a:t>
+            </a:r>
+            <a:r>
+              <a:rPr lang="ko-KR" altLang="en-US" sz="2800" b="1" dirty="0">
+                <a:latin typeface="Gowun Batang" pitchFamily="2" charset="-127"/>
+                <a:ea typeface="Gowun Batang" pitchFamily="2" charset="-127"/>
+              </a:rPr>
+              <a:t>생각</a:t>
+            </a:r>
+            <a:r>
+              <a:rPr lang="ko-KR" altLang="en-US" sz="2800" dirty="0">
+                <a:latin typeface="Gowun Batang" pitchFamily="2" charset="-127"/>
+                <a:ea typeface="Gowun Batang" pitchFamily="2" charset="-127"/>
+              </a:rPr>
+              <a:t>하는 순간 만들어진다</a:t>
+            </a:r>
+            <a:r>
+              <a:rPr lang="en-US" altLang="ko-KR" sz="2800" dirty="0">
+                <a:latin typeface="Gowun Batang" pitchFamily="2" charset="-127"/>
+                <a:ea typeface="Gowun Batang" pitchFamily="2" charset="-127"/>
+              </a:rPr>
               <a:t>.</a:t>
             </a:r>
           </a:p>
           <a:p>
-            <a:r>
-              <a:rPr lang="en-US" altLang="ko-KR" dirty="0"/>
+            <a:pPr marL="457200" indent="-457200">
+              <a:buFontTx/>
+              <a:buChar char="-"/>
+            </a:pPr>
+            <a:endParaRPr lang="en-US" altLang="ko-KR" sz="2800" dirty="0">
+              <a:latin typeface="Gowun Batang" pitchFamily="2" charset="-127"/>
+              <a:ea typeface="Gowun Batang" pitchFamily="2" charset="-127"/>
+            </a:endParaRPr>
+          </a:p>
+          <a:p>
+            <a:r>
+              <a:rPr lang="en-US" altLang="ko-KR" sz="2800" dirty="0">
+                <a:latin typeface="Gowun Batang" pitchFamily="2" charset="-127"/>
+                <a:ea typeface="Gowun Batang" pitchFamily="2" charset="-127"/>
+              </a:rPr>
               <a:t>- </a:t>
             </a:r>
             <a:r>
-              <a:rPr lang="ko-KR" altLang="en-US" dirty="0"/>
-              <a:t>한계는 우리가 생각하는 순간 만들어진다</a:t>
-            </a:r>
-            <a:r>
-              <a:rPr lang="en-US" altLang="ko-KR" dirty="0"/>
+              <a:rPr lang="ko-KR" altLang="en-US" sz="2800" b="1" dirty="0">
+                <a:latin typeface="Gowun Batang" pitchFamily="2" charset="-127"/>
+                <a:ea typeface="Gowun Batang" pitchFamily="2" charset="-127"/>
+              </a:rPr>
+              <a:t>사고역량</a:t>
+            </a:r>
+            <a:r>
+              <a:rPr lang="ko-KR" altLang="en-US" sz="2800" dirty="0">
+                <a:latin typeface="Gowun Batang" pitchFamily="2" charset="-127"/>
+                <a:ea typeface="Gowun Batang" pitchFamily="2" charset="-127"/>
+              </a:rPr>
+              <a:t>을 키워라</a:t>
+            </a:r>
+            <a:endParaRPr lang="en-US" altLang="ko-KR" sz="2800" dirty="0">
+              <a:latin typeface="Gowun Batang" pitchFamily="2" charset="-127"/>
+              <a:ea typeface="Gowun Batang" pitchFamily="2" charset="-127"/>
+            </a:endParaRPr>
+          </a:p>
+          <a:p>
+            <a:r>
+              <a:rPr lang="en-US" altLang="ko-KR" sz="2800" dirty="0">
+                <a:latin typeface="Gowun Batang" pitchFamily="2" charset="-127"/>
+                <a:ea typeface="Gowun Batang" pitchFamily="2" charset="-127"/>
+              </a:rPr>
+              <a:t>   - </a:t>
+            </a:r>
+            <a:r>
+              <a:rPr lang="ko-KR" altLang="en-US" sz="2800" dirty="0" err="1">
+                <a:latin typeface="Gowun Batang" pitchFamily="2" charset="-127"/>
+                <a:ea typeface="Gowun Batang" pitchFamily="2" charset="-127"/>
+              </a:rPr>
+              <a:t>열심히가</a:t>
+            </a:r>
+            <a:r>
+              <a:rPr lang="ko-KR" altLang="en-US" sz="2800" dirty="0">
+                <a:latin typeface="Gowun Batang" pitchFamily="2" charset="-127"/>
+                <a:ea typeface="Gowun Batang" pitchFamily="2" charset="-127"/>
+              </a:rPr>
+              <a:t> 아니라 </a:t>
+            </a:r>
+            <a:r>
+              <a:rPr lang="ko-KR" altLang="en-US" sz="2800" b="1" dirty="0">
+                <a:latin typeface="Gowun Batang" pitchFamily="2" charset="-127"/>
+                <a:ea typeface="Gowun Batang" pitchFamily="2" charset="-127"/>
+              </a:rPr>
+              <a:t>효과</a:t>
+            </a:r>
+            <a:r>
+              <a:rPr lang="ko-KR" altLang="en-US" sz="2800" dirty="0">
+                <a:latin typeface="Gowun Batang" pitchFamily="2" charset="-127"/>
+                <a:ea typeface="Gowun Batang" pitchFamily="2" charset="-127"/>
+              </a:rPr>
+              <a:t>를 생각해야 한다</a:t>
+            </a:r>
+            <a:r>
+              <a:rPr lang="en-US" altLang="ko-KR" sz="2800" dirty="0">
+                <a:latin typeface="Gowun Batang" pitchFamily="2" charset="-127"/>
+                <a:ea typeface="Gowun Batang" pitchFamily="2" charset="-127"/>
+              </a:rPr>
               <a:t>.</a:t>
             </a:r>
           </a:p>
           <a:p>
             <a:r>
-              <a:rPr lang="en-US" altLang="ko-KR" dirty="0"/>
+              <a:rPr lang="en-US" altLang="ko-KR" sz="2800" dirty="0">
+                <a:latin typeface="Gowun Batang" pitchFamily="2" charset="-127"/>
+                <a:ea typeface="Gowun Batang" pitchFamily="2" charset="-127"/>
+              </a:rPr>
+              <a:t>   - </a:t>
+            </a:r>
+            <a:r>
+              <a:rPr lang="ko-KR" altLang="en-US" sz="2800" dirty="0">
+                <a:latin typeface="Gowun Batang" pitchFamily="2" charset="-127"/>
+                <a:ea typeface="Gowun Batang" pitchFamily="2" charset="-127"/>
+              </a:rPr>
+              <a:t>할 수 있을까</a:t>
+            </a:r>
+            <a:r>
+              <a:rPr lang="en-US" altLang="ko-KR" sz="2800" dirty="0">
+                <a:latin typeface="Gowun Batang" pitchFamily="2" charset="-127"/>
+                <a:ea typeface="Gowun Batang" pitchFamily="2" charset="-127"/>
+              </a:rPr>
+              <a:t>?</a:t>
+            </a:r>
+            <a:r>
+              <a:rPr lang="ko-KR" altLang="en-US" sz="2800" dirty="0">
+                <a:latin typeface="Gowun Batang" pitchFamily="2" charset="-127"/>
+                <a:ea typeface="Gowun Batang" pitchFamily="2" charset="-127"/>
+              </a:rPr>
+              <a:t>가 아니라 </a:t>
+            </a:r>
+            <a:r>
+              <a:rPr lang="ko-KR" altLang="en-US" sz="2800" dirty="0">
+                <a:highlight>
+                  <a:srgbClr val="FFFF00"/>
+                </a:highlight>
+                <a:latin typeface="Gowun Batang" pitchFamily="2" charset="-127"/>
+                <a:ea typeface="Gowun Batang" pitchFamily="2" charset="-127"/>
+              </a:rPr>
+              <a:t>어떻게 할 수 있을까</a:t>
+            </a:r>
+            <a:r>
+              <a:rPr lang="en-US" altLang="ko-KR" sz="2800" dirty="0">
+                <a:highlight>
+                  <a:srgbClr val="FFFF00"/>
+                </a:highlight>
+                <a:latin typeface="Gowun Batang" pitchFamily="2" charset="-127"/>
+                <a:ea typeface="Gowun Batang" pitchFamily="2" charset="-127"/>
+              </a:rPr>
+              <a:t>?</a:t>
+            </a:r>
+            <a:r>
+              <a:rPr lang="ko-KR" altLang="en-US" sz="2800" dirty="0">
+                <a:latin typeface="Gowun Batang" pitchFamily="2" charset="-127"/>
+                <a:ea typeface="Gowun Batang" pitchFamily="2" charset="-127"/>
+              </a:rPr>
+              <a:t> 를 생각</a:t>
+            </a:r>
+            <a:endParaRPr lang="en-US" altLang="ko-KR" sz="2800" dirty="0">
+              <a:latin typeface="Gowun Batang" pitchFamily="2" charset="-127"/>
+              <a:ea typeface="Gowun Batang" pitchFamily="2" charset="-127"/>
+            </a:endParaRPr>
+          </a:p>
+          <a:p>
+            <a:r>
+              <a:rPr lang="en-US" altLang="ko-KR" sz="2800" dirty="0">
+                <a:latin typeface="Gowun Batang" pitchFamily="2" charset="-127"/>
+                <a:ea typeface="Gowun Batang" pitchFamily="2" charset="-127"/>
+              </a:rPr>
+              <a:t>   - </a:t>
+            </a:r>
+            <a:r>
+              <a:rPr lang="ko-KR" altLang="en-US" sz="2800" dirty="0">
+                <a:latin typeface="Gowun Batang" pitchFamily="2" charset="-127"/>
+                <a:ea typeface="Gowun Batang" pitchFamily="2" charset="-127"/>
+              </a:rPr>
+              <a:t>하나의 문이 아니라 </a:t>
+            </a:r>
+            <a:r>
+              <a:rPr lang="ko-KR" altLang="en-US" sz="2800" b="1" dirty="0">
+                <a:latin typeface="Gowun Batang" pitchFamily="2" charset="-127"/>
+                <a:ea typeface="Gowun Batang" pitchFamily="2" charset="-127"/>
+              </a:rPr>
+              <a:t>여러 문</a:t>
+            </a:r>
+            <a:r>
+              <a:rPr lang="ko-KR" altLang="en-US" sz="2800" dirty="0">
+                <a:latin typeface="Gowun Batang" pitchFamily="2" charset="-127"/>
+                <a:ea typeface="Gowun Batang" pitchFamily="2" charset="-127"/>
+              </a:rPr>
+              <a:t>을 생각할 것</a:t>
+            </a:r>
+            <a:endParaRPr lang="en-US" altLang="ko-KR" sz="2800" dirty="0">
+              <a:latin typeface="Gowun Batang" pitchFamily="2" charset="-127"/>
+              <a:ea typeface="Gowun Batang" pitchFamily="2" charset="-127"/>
+            </a:endParaRPr>
+          </a:p>
+          <a:p>
+            <a:endParaRPr lang="en-US" altLang="ko-KR" sz="2800" dirty="0">
+              <a:latin typeface="Gowun Batang" pitchFamily="2" charset="-127"/>
+              <a:ea typeface="Gowun Batang" pitchFamily="2" charset="-127"/>
+            </a:endParaRPr>
+          </a:p>
+          <a:p>
+            <a:r>
+              <a:rPr lang="en-US" altLang="ko-KR" sz="2800" dirty="0">
+                <a:latin typeface="Gowun Batang" pitchFamily="2" charset="-127"/>
+                <a:ea typeface="Gowun Batang" pitchFamily="2" charset="-127"/>
+              </a:rPr>
               <a:t>- </a:t>
             </a:r>
             <a:r>
-              <a:rPr lang="ko-KR" altLang="en-US" dirty="0"/>
-              <a:t>사고역량을 키워라</a:t>
-            </a:r>
-            <a:endParaRPr lang="en-US" altLang="ko-KR" dirty="0"/>
-          </a:p>
-          <a:p>
-            <a:r>
-              <a:rPr lang="en-US" altLang="ko-KR" dirty="0"/>
-              <a:t>  - </a:t>
-            </a:r>
-            <a:r>
-              <a:rPr lang="ko-KR" altLang="en-US" dirty="0" err="1"/>
-              <a:t>열심히가</a:t>
-            </a:r>
-            <a:r>
-              <a:rPr lang="ko-KR" altLang="en-US" dirty="0"/>
-              <a:t> 아니라 효과를 생각해야 한다</a:t>
-            </a:r>
-            <a:endParaRPr lang="en-US" altLang="ko-KR" dirty="0"/>
-          </a:p>
-          <a:p>
-            <a:r>
-              <a:rPr lang="en-US" altLang="ko-KR" dirty="0"/>
-              <a:t>  - </a:t>
-            </a:r>
-            <a:r>
-              <a:rPr lang="ko-KR" altLang="en-US" dirty="0"/>
-              <a:t>할 수 있을까</a:t>
-            </a:r>
-            <a:r>
-              <a:rPr lang="en-US" altLang="ko-KR" dirty="0"/>
-              <a:t>?</a:t>
-            </a:r>
-            <a:r>
-              <a:rPr lang="ko-KR" altLang="en-US" dirty="0"/>
-              <a:t>가 아니라 어떻게 할 수 있을까를 생각해야 한다</a:t>
-            </a:r>
-            <a:r>
-              <a:rPr lang="en-US" altLang="ko-KR" dirty="0"/>
+              <a:rPr lang="ko-KR" altLang="en-US" sz="2800" b="1" dirty="0">
+                <a:latin typeface="Gowun Batang" pitchFamily="2" charset="-127"/>
+                <a:ea typeface="Gowun Batang" pitchFamily="2" charset="-127"/>
+              </a:rPr>
+              <a:t>인간의 정신</a:t>
+            </a:r>
+            <a:r>
+              <a:rPr lang="ko-KR" altLang="en-US" sz="2800" dirty="0">
+                <a:latin typeface="Gowun Batang" pitchFamily="2" charset="-127"/>
+                <a:ea typeface="Gowun Batang" pitchFamily="2" charset="-127"/>
+              </a:rPr>
+              <a:t>은 한번 새로운 생각으로 확대되면 원래 크기로 줄어드는 법이 없다</a:t>
+            </a:r>
+            <a:r>
+              <a:rPr lang="en-US" altLang="ko-KR" sz="2800" dirty="0">
+                <a:latin typeface="Gowun Batang" pitchFamily="2" charset="-127"/>
+                <a:ea typeface="Gowun Batang" pitchFamily="2" charset="-127"/>
+              </a:rPr>
               <a:t>.</a:t>
             </a:r>
           </a:p>
           <a:p>
-            <a:r>
-              <a:rPr lang="en-US" altLang="ko-KR" dirty="0"/>
-              <a:t>  - </a:t>
-            </a:r>
-            <a:r>
-              <a:rPr lang="ko-KR" altLang="en-US" dirty="0"/>
-              <a:t>하나의 문이 아니라 여러 문을 생각할 것</a:t>
-            </a:r>
-            <a:endParaRPr lang="en-US" altLang="ko-KR" dirty="0"/>
-          </a:p>
-          <a:p>
-            <a:r>
-              <a:rPr lang="en-US" altLang="ko-KR" dirty="0"/>
+            <a:endParaRPr lang="en-US" altLang="ko-KR" sz="2800" dirty="0">
+              <a:latin typeface="Gowun Batang" pitchFamily="2" charset="-127"/>
+              <a:ea typeface="Gowun Batang" pitchFamily="2" charset="-127"/>
+            </a:endParaRPr>
+          </a:p>
+          <a:p>
+            <a:r>
+              <a:rPr lang="en-US" altLang="ko-KR" sz="2800" dirty="0">
+                <a:latin typeface="Gowun Batang" pitchFamily="2" charset="-127"/>
+                <a:ea typeface="Gowun Batang" pitchFamily="2" charset="-127"/>
+              </a:rPr>
               <a:t>- </a:t>
             </a:r>
             <a:r>
-              <a:rPr lang="ko-KR" altLang="en-US" dirty="0"/>
-              <a:t>인간의 정신은 새로운 생각으로 </a:t>
-            </a:r>
-            <a:r>
-              <a:rPr lang="ko-KR" altLang="en-US" dirty="0" err="1"/>
-              <a:t>확대되고나면</a:t>
-            </a:r>
-            <a:r>
-              <a:rPr lang="ko-KR" altLang="en-US" dirty="0"/>
-              <a:t> 원래 크기로 줄어드는 법이 없다</a:t>
-            </a:r>
-            <a:r>
-              <a:rPr lang="en-US" altLang="ko-KR" dirty="0"/>
+              <a:rPr lang="ko-KR" altLang="en-US" sz="2800" dirty="0">
+                <a:latin typeface="Gowun Batang" pitchFamily="2" charset="-127"/>
+                <a:ea typeface="Gowun Batang" pitchFamily="2" charset="-127"/>
+              </a:rPr>
+              <a:t>역량을 키우려면 </a:t>
+            </a:r>
+            <a:r>
+              <a:rPr lang="ko-KR" altLang="en-US" sz="2800" b="1" dirty="0">
+                <a:latin typeface="Gowun Batang" pitchFamily="2" charset="-127"/>
+                <a:ea typeface="Gowun Batang" pitchFamily="2" charset="-127"/>
+              </a:rPr>
+              <a:t>정신</a:t>
+            </a:r>
+            <a:r>
+              <a:rPr lang="ko-KR" altLang="en-US" sz="2800" dirty="0">
+                <a:latin typeface="Gowun Batang" pitchFamily="2" charset="-127"/>
+                <a:ea typeface="Gowun Batang" pitchFamily="2" charset="-127"/>
+              </a:rPr>
+              <a:t>부터 키워야 한다</a:t>
+            </a:r>
+            <a:r>
+              <a:rPr lang="en-US" altLang="ko-KR" sz="2800" dirty="0">
+                <a:latin typeface="Gowun Batang" pitchFamily="2" charset="-127"/>
+                <a:ea typeface="Gowun Batang" pitchFamily="2" charset="-127"/>
+              </a:rPr>
               <a:t>.</a:t>
             </a:r>
           </a:p>
-          <a:p>
-            <a:r>
-              <a:rPr lang="en-US" altLang="ko-KR" dirty="0"/>
-              <a:t>- </a:t>
-            </a:r>
-            <a:r>
-              <a:rPr lang="ko-KR" altLang="en-US" dirty="0"/>
-              <a:t>했던 일을 넘어 할 수 있고 </a:t>
-            </a:r>
-            <a:r>
-              <a:rPr lang="ko-KR" altLang="en-US" dirty="0" err="1"/>
-              <a:t>해야하는</a:t>
-            </a:r>
-            <a:r>
-              <a:rPr lang="ko-KR" altLang="en-US" dirty="0"/>
-              <a:t> 일을 해야 한다</a:t>
-            </a:r>
-            <a:r>
-              <a:rPr lang="en-US" altLang="ko-KR" dirty="0"/>
-              <a:t>.</a:t>
-            </a:r>
+        </p:txBody>
+      </p:sp>
+      <p:pic>
+        <p:nvPicPr>
+          <p:cNvPr id="4098" name="Picture 2" descr="코끼리는 생각하지 마">
+            <a:extLst>
+              <a:ext uri="{FF2B5EF4-FFF2-40B4-BE49-F238E27FC236}">
+                <a16:creationId xmlns:a16="http://schemas.microsoft.com/office/drawing/2014/main" id="{2B3B1DEF-E49D-48E3-A2DA-FA38BE5CB75B}"/>
+              </a:ext>
+            </a:extLst>
+          </p:cNvPr>
+          <p:cNvPicPr>
+            <a:picLocks noChangeAspect="1" noChangeArrowheads="1"/>
+          </p:cNvPicPr>
+          <p:nvPr/>
+        </p:nvPicPr>
+        <p:blipFill>
+          <a:blip r:embed="rId2">
+            <a:extLst>
+              <a:ext uri="{28A0092B-C50C-407E-A947-70E740481C1C}">
+                <a14:useLocalDpi xmlns:a14="http://schemas.microsoft.com/office/drawing/2010/main" val="0"/>
+              </a:ext>
+            </a:extLst>
+          </a:blip>
+          <a:srcRect/>
+          <a:stretch>
+            <a:fillRect/>
+          </a:stretch>
+        </p:blipFill>
+        <p:spPr bwMode="auto">
+          <a:xfrm>
+            <a:off x="9305365" y="1541930"/>
+            <a:ext cx="2796989" cy="4195483"/>
+          </a:xfrm>
+          <a:prstGeom prst="rect">
+            <a:avLst/>
+          </a:prstGeom>
+          <a:noFill/>
+          <a:extLst>
+            <a:ext uri="{909E8E84-426E-40DD-AFC4-6F175D3DCCD1}">
+              <a14:hiddenFill xmlns:a14="http://schemas.microsoft.com/office/drawing/2010/main">
+                <a:solidFill>
+                  <a:srgbClr val="FFFFFF"/>
+                </a:solidFill>
+              </a14:hiddenFill>
+            </a:ext>
+          </a:extLst>
+        </p:spPr>
+      </p:pic>
+      <p:sp>
+        <p:nvSpPr>
+          <p:cNvPr id="2" name="슬라이드 번호 개체 틀 1">
+            <a:extLst>
+              <a:ext uri="{FF2B5EF4-FFF2-40B4-BE49-F238E27FC236}">
+                <a16:creationId xmlns:a16="http://schemas.microsoft.com/office/drawing/2014/main" id="{85804A2B-B383-4350-8E28-4E60519B9572}"/>
+              </a:ext>
+            </a:extLst>
+          </p:cNvPr>
+          <p:cNvSpPr>
+            <a:spLocks noGrp="1"/>
+          </p:cNvSpPr>
+          <p:nvPr>
+            <p:ph type="sldNum" sz="quarter" idx="12"/>
+          </p:nvPr>
+        </p:nvSpPr>
+        <p:spPr/>
+        <p:txBody>
+          <a:bodyPr/>
+          <a:lstStyle/>
+          <a:p>
+            <a:fld id="{21B4BBCE-2797-41B5-8BA4-105457AB5E7A}" type="slidenum">
+              <a:rPr lang="ko-KR" altLang="en-US" smtClean="0"/>
+              <a:t>5</a:t>
+            </a:fld>
+            <a:endParaRPr lang="ko-KR" altLang="en-US"/>
           </a:p>
         </p:txBody>
       </p:sp>
@@ -4080,6 +5373,518 @@
     <p:extLst>
       <p:ext uri="{BB962C8B-B14F-4D97-AF65-F5344CB8AC3E}">
         <p14:creationId xmlns:p14="http://schemas.microsoft.com/office/powerpoint/2010/main" val="3490103589"/>
+      </p:ext>
+    </p:extLst>
+  </p:cSld>
+  <p:clrMapOvr>
+    <a:masterClrMapping/>
+  </p:clrMapOvr>
+</p:sld>
+</file>
+
+<file path=ppt/slides/slide6.xml><?xml version="1.0" encoding="utf-8"?>
+<p:sld xmlns:a="http://schemas.openxmlformats.org/drawingml/2006/main" xmlns:r="http://schemas.openxmlformats.org/officeDocument/2006/relationships" xmlns:p="http://schemas.openxmlformats.org/presentationml/2006/main">
+  <p:cSld>
+    <p:spTree>
+      <p:nvGrpSpPr>
+        <p:cNvPr id="1" name=""/>
+        <p:cNvGrpSpPr/>
+        <p:nvPr/>
+      </p:nvGrpSpPr>
+      <p:grpSpPr>
+        <a:xfrm>
+          <a:off x="0" y="0"/>
+          <a:ext cx="0" cy="0"/>
+          <a:chOff x="0" y="0"/>
+          <a:chExt cx="0" cy="0"/>
+        </a:xfrm>
+      </p:grpSpPr>
+      <p:sp>
+        <p:nvSpPr>
+          <p:cNvPr id="4" name="제목 1">
+            <a:extLst>
+              <a:ext uri="{FF2B5EF4-FFF2-40B4-BE49-F238E27FC236}">
+                <a16:creationId xmlns:a16="http://schemas.microsoft.com/office/drawing/2014/main" id="{7CAD2078-695F-43CF-B5A0-C35D8D1B51D7}"/>
+              </a:ext>
+            </a:extLst>
+          </p:cNvPr>
+          <p:cNvSpPr txBox="1">
+            <a:spLocks/>
+          </p:cNvSpPr>
+          <p:nvPr/>
+        </p:nvSpPr>
+        <p:spPr>
+          <a:xfrm>
+            <a:off x="416169" y="137869"/>
+            <a:ext cx="11359661" cy="811701"/>
+          </a:xfrm>
+          <a:prstGeom prst="rect">
+            <a:avLst/>
+          </a:prstGeom>
+        </p:spPr>
+        <p:txBody>
+          <a:bodyPr vert="horz" lIns="91440" tIns="45720" rIns="91440" bIns="45720" rtlCol="0" anchor="b">
+            <a:normAutofit/>
+          </a:bodyPr>
+          <a:lstStyle>
+            <a:lvl1pPr algn="ctr" defTabSz="914400" rtl="0" eaLnBrk="1" latinLnBrk="1" hangingPunct="1">
+              <a:lnSpc>
+                <a:spcPct val="90000"/>
+              </a:lnSpc>
+              <a:spcBef>
+                <a:spcPct val="0"/>
+              </a:spcBef>
+              <a:buNone/>
+              <a:defRPr sz="6000" kern="1200">
+                <a:solidFill>
+                  <a:schemeClr val="tx1"/>
+                </a:solidFill>
+                <a:latin typeface="+mj-lt"/>
+                <a:ea typeface="+mj-ea"/>
+                <a:cs typeface="+mj-cs"/>
+              </a:defRPr>
+            </a:lvl1pPr>
+          </a:lstStyle>
+          <a:p>
+            <a:r>
+              <a:rPr lang="ko-KR" altLang="en-US" sz="4400" dirty="0">
+                <a:latin typeface="Gowun Batang" pitchFamily="2" charset="-127"/>
+                <a:ea typeface="Gowun Batang" pitchFamily="2" charset="-127"/>
+              </a:rPr>
+              <a:t>마무리</a:t>
+            </a:r>
+          </a:p>
+        </p:txBody>
+      </p:sp>
+      <p:sp>
+        <p:nvSpPr>
+          <p:cNvPr id="11" name="TextBox 10">
+            <a:extLst>
+              <a:ext uri="{FF2B5EF4-FFF2-40B4-BE49-F238E27FC236}">
+                <a16:creationId xmlns:a16="http://schemas.microsoft.com/office/drawing/2014/main" id="{C088A0B8-44FE-47A7-9513-B653F2AFEAAC}"/>
+              </a:ext>
+            </a:extLst>
+          </p:cNvPr>
+          <p:cNvSpPr txBox="1"/>
+          <p:nvPr/>
+        </p:nvSpPr>
+        <p:spPr>
+          <a:xfrm>
+            <a:off x="416168" y="933745"/>
+            <a:ext cx="7257620" cy="5693866"/>
+          </a:xfrm>
+          <a:prstGeom prst="rect">
+            <a:avLst/>
+          </a:prstGeom>
+          <a:noFill/>
+        </p:spPr>
+        <p:txBody>
+          <a:bodyPr wrap="square" rtlCol="0">
+            <a:spAutoFit/>
+          </a:bodyPr>
+          <a:lstStyle/>
+          <a:p>
+            <a:endParaRPr lang="en-US" altLang="ko-KR" sz="2400" dirty="0">
+              <a:latin typeface="Gowun Batang" pitchFamily="2" charset="-127"/>
+              <a:ea typeface="Gowun Batang" pitchFamily="2" charset="-127"/>
+            </a:endParaRPr>
+          </a:p>
+          <a:p>
+            <a:pPr marL="457200" indent="-457200">
+              <a:buFontTx/>
+              <a:buChar char="-"/>
+            </a:pPr>
+            <a:r>
+              <a:rPr lang="ko-KR" altLang="en-US" sz="2400" dirty="0">
+                <a:latin typeface="Gowun Batang" pitchFamily="2" charset="-127"/>
+                <a:ea typeface="Gowun Batang" pitchFamily="2" charset="-127"/>
+              </a:rPr>
+              <a:t>모범이 될 수 있는 멘토를 찾고</a:t>
+            </a:r>
+            <a:r>
+              <a:rPr lang="en-US" altLang="ko-KR" sz="2400" dirty="0">
+                <a:latin typeface="Gowun Batang" pitchFamily="2" charset="-127"/>
+                <a:ea typeface="Gowun Batang" pitchFamily="2" charset="-127"/>
+              </a:rPr>
+              <a:t>, </a:t>
+            </a:r>
+            <a:r>
+              <a:rPr lang="ko-KR" altLang="en-US" sz="2400" dirty="0">
+                <a:latin typeface="Gowun Batang" pitchFamily="2" charset="-127"/>
+                <a:ea typeface="Gowun Batang" pitchFamily="2" charset="-127"/>
+              </a:rPr>
+              <a:t>멘토를 본보기 삼아 나만의 리더십을 구축해야 한다</a:t>
+            </a:r>
+            <a:r>
+              <a:rPr lang="en-US" altLang="ko-KR" sz="2400" dirty="0">
+                <a:latin typeface="Gowun Batang" pitchFamily="2" charset="-127"/>
+                <a:ea typeface="Gowun Batang" pitchFamily="2" charset="-127"/>
+              </a:rPr>
+              <a:t>.</a:t>
+            </a:r>
+          </a:p>
+          <a:p>
+            <a:pPr marL="457200" indent="-457200">
+              <a:buFontTx/>
+              <a:buChar char="-"/>
+            </a:pPr>
+            <a:endParaRPr lang="en-US" altLang="ko-KR" sz="2400" dirty="0">
+              <a:latin typeface="Gowun Batang" pitchFamily="2" charset="-127"/>
+              <a:ea typeface="Gowun Batang" pitchFamily="2" charset="-127"/>
+            </a:endParaRPr>
+          </a:p>
+          <a:p>
+            <a:pPr marL="457200" indent="-457200">
+              <a:buFontTx/>
+              <a:buChar char="-"/>
+            </a:pPr>
+            <a:r>
+              <a:rPr lang="ko-KR" altLang="en-US" sz="2400" dirty="0">
+                <a:latin typeface="Gowun Batang" pitchFamily="2" charset="-127"/>
+                <a:ea typeface="Gowun Batang" pitchFamily="2" charset="-127"/>
+              </a:rPr>
+              <a:t>어떻게 나만의 리더십을 구축할지 끊임없이 생각하고</a:t>
+            </a:r>
+            <a:r>
+              <a:rPr lang="en-US" altLang="ko-KR" sz="2400" dirty="0">
+                <a:latin typeface="Gowun Batang" pitchFamily="2" charset="-127"/>
+                <a:ea typeface="Gowun Batang" pitchFamily="2" charset="-127"/>
+              </a:rPr>
+              <a:t>, </a:t>
+            </a:r>
+            <a:r>
+              <a:rPr lang="ko-KR" altLang="en-US" sz="2400" dirty="0">
+                <a:latin typeface="Gowun Batang" pitchFamily="2" charset="-127"/>
+                <a:ea typeface="Gowun Batang" pitchFamily="2" charset="-127"/>
+              </a:rPr>
+              <a:t>정신력을 키워야 한다</a:t>
+            </a:r>
+            <a:r>
+              <a:rPr lang="en-US" altLang="ko-KR" sz="2400" dirty="0">
+                <a:latin typeface="Gowun Batang" pitchFamily="2" charset="-127"/>
+                <a:ea typeface="Gowun Batang" pitchFamily="2" charset="-127"/>
+              </a:rPr>
+              <a:t>.</a:t>
+            </a:r>
+          </a:p>
+          <a:p>
+            <a:pPr marL="457200" indent="-457200">
+              <a:buFontTx/>
+              <a:buChar char="-"/>
+            </a:pPr>
+            <a:endParaRPr lang="en-US" altLang="ko-KR" sz="2400" dirty="0">
+              <a:latin typeface="Gowun Batang" pitchFamily="2" charset="-127"/>
+              <a:ea typeface="Gowun Batang" pitchFamily="2" charset="-127"/>
+            </a:endParaRPr>
+          </a:p>
+          <a:p>
+            <a:pPr marL="457200" indent="-457200">
+              <a:buFontTx/>
+              <a:buChar char="-"/>
+            </a:pPr>
+            <a:r>
+              <a:rPr lang="ko-KR" altLang="en-US" sz="2400" dirty="0">
+                <a:latin typeface="Gowun Batang" pitchFamily="2" charset="-127"/>
+                <a:ea typeface="Gowun Batang" pitchFamily="2" charset="-127"/>
+              </a:rPr>
+              <a:t>하지만</a:t>
+            </a:r>
+            <a:r>
+              <a:rPr lang="en-US" altLang="ko-KR" sz="2400" dirty="0">
+                <a:latin typeface="Gowun Batang" pitchFamily="2" charset="-127"/>
+                <a:ea typeface="Gowun Batang" pitchFamily="2" charset="-127"/>
+              </a:rPr>
+              <a:t>, </a:t>
+            </a:r>
+            <a:r>
+              <a:rPr lang="ko-KR" altLang="en-US" sz="2400" dirty="0">
+                <a:highlight>
+                  <a:srgbClr val="FFFF00"/>
+                </a:highlight>
+                <a:latin typeface="Gowun Batang" pitchFamily="2" charset="-127"/>
+                <a:ea typeface="Gowun Batang" pitchFamily="2" charset="-127"/>
+              </a:rPr>
+              <a:t>나만 성장하면 되는 것일까</a:t>
+            </a:r>
+            <a:r>
+              <a:rPr lang="en-US" altLang="ko-KR" sz="2400" dirty="0">
+                <a:highlight>
+                  <a:srgbClr val="FFFF00"/>
+                </a:highlight>
+                <a:latin typeface="Gowun Batang" pitchFamily="2" charset="-127"/>
+                <a:ea typeface="Gowun Batang" pitchFamily="2" charset="-127"/>
+              </a:rPr>
+              <a:t>?</a:t>
+            </a:r>
+          </a:p>
+          <a:p>
+            <a:pPr marL="457200" indent="-457200">
+              <a:buFontTx/>
+              <a:buChar char="-"/>
+            </a:pPr>
+            <a:endParaRPr lang="en-US" altLang="ko-KR" sz="2400" dirty="0">
+              <a:latin typeface="Gowun Batang" pitchFamily="2" charset="-127"/>
+              <a:ea typeface="Gowun Batang" pitchFamily="2" charset="-127"/>
+            </a:endParaRPr>
+          </a:p>
+          <a:p>
+            <a:pPr marL="457200" indent="-457200">
+              <a:buFontTx/>
+              <a:buChar char="-"/>
+            </a:pPr>
+            <a:r>
+              <a:rPr lang="ko-KR" altLang="en-US" sz="2400" dirty="0">
+                <a:latin typeface="Gowun Batang" pitchFamily="2" charset="-127"/>
+                <a:ea typeface="Gowun Batang" pitchFamily="2" charset="-127"/>
+              </a:rPr>
+              <a:t>요즘 우리 사회에서 발생하는 범죄들을 보면 사회적 고립에서 발생하는 것들이 많다</a:t>
+            </a:r>
+            <a:r>
+              <a:rPr lang="en-US" altLang="ko-KR" sz="2400" dirty="0">
+                <a:latin typeface="Gowun Batang" pitchFamily="2" charset="-127"/>
+                <a:ea typeface="Gowun Batang" pitchFamily="2" charset="-127"/>
+              </a:rPr>
+              <a:t>.  </a:t>
+            </a:r>
+          </a:p>
+          <a:p>
+            <a:pPr marL="457200" indent="-457200">
+              <a:buFontTx/>
+              <a:buChar char="-"/>
+            </a:pPr>
+            <a:endParaRPr lang="en-US" altLang="ko-KR" sz="2400" dirty="0">
+              <a:latin typeface="Gowun Batang" pitchFamily="2" charset="-127"/>
+              <a:ea typeface="Gowun Batang" pitchFamily="2" charset="-127"/>
+            </a:endParaRPr>
+          </a:p>
+          <a:p>
+            <a:pPr marL="457200" indent="-457200">
+              <a:buFontTx/>
+              <a:buChar char="-"/>
+            </a:pPr>
+            <a:r>
+              <a:rPr lang="ko-KR" altLang="en-US" sz="2400" dirty="0">
+                <a:latin typeface="Gowun Batang" pitchFamily="2" charset="-127"/>
+                <a:ea typeface="Gowun Batang" pitchFamily="2" charset="-127"/>
+              </a:rPr>
+              <a:t>시야를 나에게만 비추는 것이 아니라</a:t>
+            </a:r>
+            <a:r>
+              <a:rPr lang="en-US" altLang="ko-KR" sz="2400" dirty="0">
+                <a:latin typeface="Gowun Batang" pitchFamily="2" charset="-127"/>
+                <a:ea typeface="Gowun Batang" pitchFamily="2" charset="-127"/>
+              </a:rPr>
+              <a:t>, </a:t>
+            </a:r>
+            <a:r>
+              <a:rPr lang="ko-KR" altLang="en-US" sz="2400" dirty="0">
+                <a:latin typeface="Gowun Batang" pitchFamily="2" charset="-127"/>
+                <a:ea typeface="Gowun Batang" pitchFamily="2" charset="-127"/>
+              </a:rPr>
+              <a:t>우리 모두에게</a:t>
+            </a:r>
+            <a:r>
+              <a:rPr lang="en-US" altLang="ko-KR" sz="2400" dirty="0">
+                <a:latin typeface="Gowun Batang" pitchFamily="2" charset="-127"/>
+                <a:ea typeface="Gowun Batang" pitchFamily="2" charset="-127"/>
+              </a:rPr>
+              <a:t> </a:t>
+            </a:r>
+            <a:r>
+              <a:rPr lang="ko-KR" altLang="en-US" sz="2400" dirty="0">
+                <a:latin typeface="Gowun Batang" pitchFamily="2" charset="-127"/>
+                <a:ea typeface="Gowun Batang" pitchFamily="2" charset="-127"/>
+              </a:rPr>
+              <a:t>비춰줄 필요가 있다</a:t>
+            </a:r>
+            <a:r>
+              <a:rPr lang="en-US" altLang="ko-KR" sz="2400" dirty="0">
+                <a:latin typeface="Gowun Batang" pitchFamily="2" charset="-127"/>
+                <a:ea typeface="Gowun Batang" pitchFamily="2" charset="-127"/>
+              </a:rPr>
+              <a:t>.</a:t>
+            </a:r>
+            <a:r>
+              <a:rPr lang="ko-KR" altLang="en-US" sz="2400" dirty="0">
+                <a:latin typeface="Gowun Batang" pitchFamily="2" charset="-127"/>
+                <a:ea typeface="Gowun Batang" pitchFamily="2" charset="-127"/>
+              </a:rPr>
+              <a:t> </a:t>
+            </a:r>
+            <a:endParaRPr lang="en-US" altLang="ko-KR" sz="2800" dirty="0">
+              <a:latin typeface="Gowun Batang" pitchFamily="2" charset="-127"/>
+              <a:ea typeface="Gowun Batang" pitchFamily="2" charset="-127"/>
+            </a:endParaRPr>
+          </a:p>
+          <a:p>
+            <a:endParaRPr lang="en-US" altLang="ko-KR" sz="2800" dirty="0">
+              <a:latin typeface="Gowun Batang" pitchFamily="2" charset="-127"/>
+              <a:ea typeface="Gowun Batang" pitchFamily="2" charset="-127"/>
+            </a:endParaRPr>
+          </a:p>
+        </p:txBody>
+      </p:sp>
+      <p:grpSp>
+        <p:nvGrpSpPr>
+          <p:cNvPr id="5" name="그룹 4">
+            <a:extLst>
+              <a:ext uri="{FF2B5EF4-FFF2-40B4-BE49-F238E27FC236}">
+                <a16:creationId xmlns:a16="http://schemas.microsoft.com/office/drawing/2014/main" id="{86FD772E-A21C-4AE3-BE87-4CEEFFE349E3}"/>
+              </a:ext>
+            </a:extLst>
+          </p:cNvPr>
+          <p:cNvGrpSpPr/>
+          <p:nvPr/>
+        </p:nvGrpSpPr>
+        <p:grpSpPr>
+          <a:xfrm>
+            <a:off x="7897906" y="1398493"/>
+            <a:ext cx="4074724" cy="3110754"/>
+            <a:chOff x="6579986" y="2593307"/>
+            <a:chExt cx="5383573" cy="3179963"/>
+          </a:xfrm>
+        </p:grpSpPr>
+        <p:pic>
+          <p:nvPicPr>
+            <p:cNvPr id="2" name="그림 1">
+              <a:extLst>
+                <a:ext uri="{FF2B5EF4-FFF2-40B4-BE49-F238E27FC236}">
+                  <a16:creationId xmlns:a16="http://schemas.microsoft.com/office/drawing/2014/main" id="{69D2BD48-6846-45FE-90DC-4B51D9562E14}"/>
+                </a:ext>
+              </a:extLst>
+            </p:cNvPr>
+            <p:cNvPicPr>
+              <a:picLocks noChangeAspect="1"/>
+            </p:cNvPicPr>
+            <p:nvPr/>
+          </p:nvPicPr>
+          <p:blipFill>
+            <a:blip r:embed="rId2"/>
+            <a:stretch>
+              <a:fillRect/>
+            </a:stretch>
+          </p:blipFill>
+          <p:spPr>
+            <a:xfrm>
+              <a:off x="6579986" y="2593307"/>
+              <a:ext cx="5383573" cy="2931619"/>
+            </a:xfrm>
+            <a:prstGeom prst="rect">
+              <a:avLst/>
+            </a:prstGeom>
+          </p:spPr>
+        </p:pic>
+        <p:pic>
+          <p:nvPicPr>
+            <p:cNvPr id="3" name="그림 2">
+              <a:extLst>
+                <a:ext uri="{FF2B5EF4-FFF2-40B4-BE49-F238E27FC236}">
+                  <a16:creationId xmlns:a16="http://schemas.microsoft.com/office/drawing/2014/main" id="{E531FD56-450D-44CC-B018-A279280EBFF7}"/>
+                </a:ext>
+              </a:extLst>
+            </p:cNvPr>
+            <p:cNvPicPr>
+              <a:picLocks noChangeAspect="1"/>
+            </p:cNvPicPr>
+            <p:nvPr/>
+          </p:nvPicPr>
+          <p:blipFill>
+            <a:blip r:embed="rId3"/>
+            <a:stretch>
+              <a:fillRect/>
+            </a:stretch>
+          </p:blipFill>
+          <p:spPr>
+            <a:xfrm>
+              <a:off x="7566409" y="5524926"/>
+              <a:ext cx="3516871" cy="248344"/>
+            </a:xfrm>
+            <a:prstGeom prst="rect">
+              <a:avLst/>
+            </a:prstGeom>
+          </p:spPr>
+        </p:pic>
+      </p:grpSp>
+      <p:sp>
+        <p:nvSpPr>
+          <p:cNvPr id="6" name="슬라이드 번호 개체 틀 5">
+            <a:extLst>
+              <a:ext uri="{FF2B5EF4-FFF2-40B4-BE49-F238E27FC236}">
+                <a16:creationId xmlns:a16="http://schemas.microsoft.com/office/drawing/2014/main" id="{4B000B52-0DDF-4DBB-8564-28AE8537E586}"/>
+              </a:ext>
+            </a:extLst>
+          </p:cNvPr>
+          <p:cNvSpPr>
+            <a:spLocks noGrp="1"/>
+          </p:cNvSpPr>
+          <p:nvPr>
+            <p:ph type="sldNum" sz="quarter" idx="12"/>
+          </p:nvPr>
+        </p:nvSpPr>
+        <p:spPr/>
+        <p:txBody>
+          <a:bodyPr/>
+          <a:lstStyle/>
+          <a:p>
+            <a:fld id="{21B4BBCE-2797-41B5-8BA4-105457AB5E7A}" type="slidenum">
+              <a:rPr lang="ko-KR" altLang="en-US" smtClean="0"/>
+              <a:t>6</a:t>
+            </a:fld>
+            <a:endParaRPr lang="ko-KR" altLang="en-US"/>
+          </a:p>
+        </p:txBody>
+      </p:sp>
+      <p:pic>
+        <p:nvPicPr>
+          <p:cNvPr id="1028" name="Picture 4" descr="혼자만 잘 살믄 무슨 재민겨 대표 이미지">
+            <a:extLst>
+              <a:ext uri="{FF2B5EF4-FFF2-40B4-BE49-F238E27FC236}">
+                <a16:creationId xmlns:a16="http://schemas.microsoft.com/office/drawing/2014/main" id="{9D098737-433B-4F6F-AADC-B47AEB2D9709}"/>
+              </a:ext>
+            </a:extLst>
+          </p:cNvPr>
+          <p:cNvPicPr>
+            <a:picLocks noChangeAspect="1" noChangeArrowheads="1"/>
+          </p:cNvPicPr>
+          <p:nvPr/>
+        </p:nvPicPr>
+        <p:blipFill>
+          <a:blip r:embed="rId4">
+            <a:extLst>
+              <a:ext uri="{28A0092B-C50C-407E-A947-70E740481C1C}">
+                <a14:useLocalDpi xmlns:a14="http://schemas.microsoft.com/office/drawing/2010/main" val="0"/>
+              </a:ext>
+            </a:extLst>
+          </a:blip>
+          <a:srcRect/>
+          <a:stretch>
+            <a:fillRect/>
+          </a:stretch>
+        </p:blipFill>
+        <p:spPr bwMode="auto">
+          <a:xfrm>
+            <a:off x="7897906" y="1900387"/>
+            <a:ext cx="1072136" cy="1528613"/>
+          </a:xfrm>
+          <a:prstGeom prst="rect">
+            <a:avLst/>
+          </a:prstGeom>
+          <a:noFill/>
+          <a:extLst>
+            <a:ext uri="{909E8E84-426E-40DD-AFC4-6F175D3DCCD1}">
+              <a14:hiddenFill xmlns:a14="http://schemas.microsoft.com/office/drawing/2010/main">
+                <a:solidFill>
+                  <a:srgbClr val="FFFFFF"/>
+                </a:solidFill>
+              </a14:hiddenFill>
+            </a:ext>
+          </a:extLst>
+        </p:spPr>
+      </p:pic>
+    </p:spTree>
+    <p:extLst>
+      <p:ext uri="{BB962C8B-B14F-4D97-AF65-F5344CB8AC3E}">
+        <p14:creationId xmlns:p14="http://schemas.microsoft.com/office/powerpoint/2010/main" val="3649558104"/>
       </p:ext>
     </p:extLst>
   </p:cSld>
@@ -4382,4 +6187,299 @@
     </a:ext>
   </a:extLst>
 </a:theme>
+</file>
+
+<file path=ppt/theme/theme2.xml><?xml version="1.0" encoding="utf-8"?>
+<a:theme xmlns:a="http://schemas.openxmlformats.org/drawingml/2006/main" name="Office 테마">
+  <a:themeElements>
+    <a:clrScheme name="Office">
+      <a:dk1>
+        <a:sysClr val="windowText" lastClr="000000"/>
+      </a:dk1>
+      <a:lt1>
+        <a:sysClr val="window" lastClr="FFFFFF"/>
+      </a:lt1>
+      <a:dk2>
+        <a:srgbClr val="44546A"/>
+      </a:dk2>
+      <a:lt2>
+        <a:srgbClr val="E7E6E6"/>
+      </a:lt2>
+      <a:accent1>
+        <a:srgbClr val="4472C4"/>
+      </a:accent1>
+      <a:accent2>
+        <a:srgbClr val="ED7D31"/>
+      </a:accent2>
+      <a:accent3>
+        <a:srgbClr val="A5A5A5"/>
+      </a:accent3>
+      <a:accent4>
+        <a:srgbClr val="FFC000"/>
+      </a:accent4>
+      <a:accent5>
+        <a:srgbClr val="5B9BD5"/>
+      </a:accent5>
+      <a:accent6>
+        <a:srgbClr val="70AD47"/>
+      </a:accent6>
+      <a:hlink>
+        <a:srgbClr val="0563C1"/>
+      </a:hlink>
+      <a:folHlink>
+        <a:srgbClr val="954F72"/>
+      </a:folHlink>
+    </a:clrScheme>
+    <a:fontScheme name="Office">
+      <a:majorFont>
+        <a:latin typeface="맑은 고딕" panose="020F0302020204030204"/>
+        <a:ea typeface=""/>
+        <a:cs typeface=""/>
+        <a:font script="Jpan" typeface="游ゴシック Light"/>
+        <a:font script="Hang" typeface="맑은 고딕"/>
+        <a:font script="Hans" typeface="等线 Light"/>
+        <a:font script="Hant" typeface="新細明體"/>
+        <a:font script="Arab" typeface="Times New Roman"/>
+        <a:font script="Hebr" typeface="Times New Roman"/>
+        <a:font script="Thai" typeface="Angsana New"/>
+        <a:font script="Ethi" typeface="Nyala"/>
+        <a:font script="Beng" typeface="Vrinda"/>
+        <a:font script="Gujr" typeface="Shruti"/>
+        <a:font script="Khmr" typeface="MoolBoran"/>
+        <a:font script="Knda" typeface="Tunga"/>
+        <a:font script="Guru" typeface="Raavi"/>
+        <a:font script="Cans" typeface="Euphemia"/>
+        <a:font script="Cher" typeface="Plantagenet Cherokee"/>
+        <a:font script="Yiii" typeface="Microsoft Yi Baiti"/>
+        <a:font script="Tibt" typeface="Microsoft Himalaya"/>
+        <a:font script="Thaa" typeface="MV Boli"/>
+        <a:font script="Deva" typeface="Mangal"/>
+        <a:font script="Telu" typeface="Gautami"/>
+        <a:font script="Taml" typeface="Latha"/>
+        <a:font script="Syrc" typeface="Estrangelo Edessa"/>
+        <a:font script="Orya" typeface="Kalinga"/>
+        <a:font script="Mlym" typeface="Kartika"/>
+        <a:font script="Laoo" typeface="DokChampa"/>
+        <a:font script="Sinh" typeface="Iskoola Pota"/>
+        <a:font script="Mong" typeface="Mongolian Baiti"/>
+        <a:font script="Viet" typeface="Times New Roman"/>
+        <a:font script="Uigh" typeface="Microsoft Uighur"/>
+        <a:font script="Geor" typeface="Sylfaen"/>
+        <a:font script="Armn" typeface="Arial"/>
+        <a:font script="Bugi" typeface="Leelawadee UI"/>
+        <a:font script="Bopo" typeface="Microsoft JhengHei"/>
+        <a:font script="Java" typeface="Javanese Text"/>
+        <a:font script="Lisu" typeface="Segoe UI"/>
+        <a:font script="Mymr" typeface="Myanmar Text"/>
+        <a:font script="Nkoo" typeface="Ebrima"/>
+        <a:font script="Olck" typeface="Nirmala UI"/>
+        <a:font script="Osma" typeface="Ebrima"/>
+        <a:font script="Phag" typeface="Phagspa"/>
+        <a:font script="Syrn" typeface="Estrangelo Edessa"/>
+        <a:font script="Syrj" typeface="Estrangelo Edessa"/>
+        <a:font script="Syre" typeface="Estrangelo Edessa"/>
+        <a:font script="Sora" typeface="Nirmala UI"/>
+        <a:font script="Tale" typeface="Microsoft Tai Le"/>
+        <a:font script="Talu" typeface="Microsoft New Tai Lue"/>
+        <a:font script="Tfng" typeface="Ebrima"/>
+      </a:majorFont>
+      <a:minorFont>
+        <a:latin typeface="맑은 고딕" panose="020F0502020204030204"/>
+        <a:ea typeface=""/>
+        <a:cs typeface=""/>
+        <a:font script="Jpan" typeface="游ゴシック"/>
+        <a:font script="Hang" typeface="맑은 고딕"/>
+        <a:font script="Hans" typeface="等线"/>
+        <a:font script="Hant" typeface="新細明體"/>
+        <a:font script="Arab" typeface="Arial"/>
+        <a:font script="Hebr" typeface="Arial"/>
+        <a:font script="Thai" typeface="Cordia New"/>
+        <a:font script="Ethi" typeface="Nyala"/>
+        <a:font script="Beng" typeface="Vrinda"/>
+        <a:font script="Gujr" typeface="Shruti"/>
+        <a:font script="Khmr" typeface="DaunPenh"/>
+        <a:font script="Knda" typeface="Tunga"/>
+        <a:font script="Guru" typeface="Raavi"/>
+        <a:font script="Cans" typeface="Euphemia"/>
+        <a:font script="Cher" typeface="Plantagenet Cherokee"/>
+        <a:font script="Yiii" typeface="Microsoft Yi Baiti"/>
+        <a:font script="Tibt" typeface="Microsoft Himalaya"/>
+        <a:font script="Thaa" typeface="MV Boli"/>
+        <a:font script="Deva" typeface="Mangal"/>
+        <a:font script="Telu" typeface="Gautami"/>
+        <a:font script="Taml" typeface="Latha"/>
+        <a:font script="Syrc" typeface="Estrangelo Edessa"/>
+        <a:font script="Orya" typeface="Kalinga"/>
+        <a:font script="Mlym" typeface="Kartika"/>
+        <a:font script="Laoo" typeface="DokChampa"/>
+        <a:font script="Sinh" typeface="Iskoola Pota"/>
+        <a:font script="Mong" typeface="Mongolian Baiti"/>
+        <a:font script="Viet" typeface="Arial"/>
+        <a:font script="Uigh" typeface="Microsoft Uighur"/>
+        <a:font script="Geor" typeface="Sylfaen"/>
+        <a:font script="Armn" typeface="Arial"/>
+        <a:font script="Bugi" typeface="Leelawadee UI"/>
+        <a:font script="Bopo" typeface="Microsoft JhengHei"/>
+        <a:font script="Java" typeface="Javanese Text"/>
+        <a:font script="Lisu" typeface="Segoe UI"/>
+        <a:font script="Mymr" typeface="Myanmar Text"/>
+        <a:font script="Nkoo" typeface="Ebrima"/>
+        <a:font script="Olck" typeface="Nirmala UI"/>
+        <a:font script="Osma" typeface="Ebrima"/>
+        <a:font script="Phag" typeface="Phagspa"/>
+        <a:font script="Syrn" typeface="Estrangelo Edessa"/>
+        <a:font script="Syrj" typeface="Estrangelo Edessa"/>
+        <a:font script="Syre" typeface="Estrangelo Edessa"/>
+        <a:font script="Sora" typeface="Nirmala UI"/>
+        <a:font script="Tale" typeface="Microsoft Tai Le"/>
+        <a:font script="Talu" typeface="Microsoft New Tai Lue"/>
+        <a:font script="Tfng" typeface="Ebrima"/>
+      </a:minorFont>
+    </a:fontScheme>
+    <a:fmtScheme name="Office">
+      <a:fillStyleLst>
+        <a:solidFill>
+          <a:schemeClr val="phClr"/>
+        </a:solidFill>
+        <a:gradFill rotWithShape="1">
+          <a:gsLst>
+            <a:gs pos="0">
+              <a:schemeClr val="phClr">
+                <a:lumMod val="110000"/>
+                <a:satMod val="105000"/>
+                <a:tint val="67000"/>
+              </a:schemeClr>
+            </a:gs>
+            <a:gs pos="50000">
+              <a:schemeClr val="phClr">
+                <a:lumMod val="105000"/>
+                <a:satMod val="103000"/>
+                <a:tint val="73000"/>
+              </a:schemeClr>
+            </a:gs>
+            <a:gs pos="100000">
+              <a:schemeClr val="phClr">
+                <a:lumMod val="105000"/>
+                <a:satMod val="109000"/>
+                <a:tint val="81000"/>
+              </a:schemeClr>
+            </a:gs>
+          </a:gsLst>
+          <a:lin ang="5400000" scaled="0"/>
+        </a:gradFill>
+        <a:gradFill rotWithShape="1">
+          <a:gsLst>
+            <a:gs pos="0">
+              <a:schemeClr val="phClr">
+                <a:satMod val="103000"/>
+                <a:lumMod val="102000"/>
+                <a:tint val="94000"/>
+              </a:schemeClr>
+            </a:gs>
+            <a:gs pos="50000">
+              <a:schemeClr val="phClr">
+                <a:satMod val="110000"/>
+                <a:lumMod val="100000"/>
+                <a:shade val="100000"/>
+              </a:schemeClr>
+            </a:gs>
+            <a:gs pos="100000">
+              <a:schemeClr val="phClr">
+                <a:lumMod val="99000"/>
+                <a:satMod val="120000"/>
+                <a:shade val="78000"/>
+              </a:schemeClr>
+            </a:gs>
+          </a:gsLst>
+          <a:lin ang="5400000" scaled="0"/>
+        </a:gradFill>
+      </a:fillStyleLst>
+      <a:lnStyleLst>
+        <a:ln w="6350" cap="flat" cmpd="sng" algn="ctr">
+          <a:solidFill>
+            <a:schemeClr val="phClr"/>
+          </a:solidFill>
+          <a:prstDash val="solid"/>
+          <a:miter lim="800000"/>
+        </a:ln>
+        <a:ln w="12700" cap="flat" cmpd="sng" algn="ctr">
+          <a:solidFill>
+            <a:schemeClr val="phClr"/>
+          </a:solidFill>
+          <a:prstDash val="solid"/>
+          <a:miter lim="800000"/>
+        </a:ln>
+        <a:ln w="19050" cap="flat" cmpd="sng" algn="ctr">
+          <a:solidFill>
+            <a:schemeClr val="phClr"/>
+          </a:solidFill>
+          <a:prstDash val="solid"/>
+          <a:miter lim="800000"/>
+        </a:ln>
+      </a:lnStyleLst>
+      <a:effectStyleLst>
+        <a:effectStyle>
+          <a:effectLst/>
+        </a:effectStyle>
+        <a:effectStyle>
+          <a:effectLst/>
+        </a:effectStyle>
+        <a:effectStyle>
+          <a:effectLst>
+            <a:outerShdw blurRad="57150" dist="19050" dir="5400000" algn="ctr" rotWithShape="0">
+              <a:srgbClr val="000000">
+                <a:alpha val="63000"/>
+              </a:srgbClr>
+            </a:outerShdw>
+          </a:effectLst>
+        </a:effectStyle>
+      </a:effectStyleLst>
+      <a:bgFillStyleLst>
+        <a:solidFill>
+          <a:schemeClr val="phClr"/>
+        </a:solidFill>
+        <a:solidFill>
+          <a:schemeClr val="phClr">
+            <a:tint val="95000"/>
+            <a:satMod val="170000"/>
+          </a:schemeClr>
+        </a:solidFill>
+        <a:gradFill rotWithShape="1">
+          <a:gsLst>
+            <a:gs pos="0">
+              <a:schemeClr val="phClr">
+                <a:tint val="93000"/>
+                <a:satMod val="150000"/>
+                <a:shade val="98000"/>
+                <a:lumMod val="102000"/>
+              </a:schemeClr>
+            </a:gs>
+            <a:gs pos="50000">
+              <a:schemeClr val="phClr">
+                <a:tint val="98000"/>
+                <a:satMod val="130000"/>
+                <a:shade val="90000"/>
+                <a:lumMod val="103000"/>
+              </a:schemeClr>
+            </a:gs>
+            <a:gs pos="100000">
+              <a:schemeClr val="phClr">
+                <a:shade val="63000"/>
+                <a:satMod val="120000"/>
+              </a:schemeClr>
+            </a:gs>
+          </a:gsLst>
+          <a:lin ang="5400000" scaled="0"/>
+        </a:gradFill>
+      </a:bgFillStyleLst>
+    </a:fmtScheme>
+  </a:themeElements>
+  <a:objectDefaults/>
+  <a:extraClrSchemeLst/>
+  <a:extLst>
+    <a:ext uri="{05A4C25C-085E-4340-85A3-A5531E510DB2}">
+      <thm15:themeFamily xmlns:thm15="http://schemas.microsoft.com/office/thememl/2012/main" name="Office Theme" id="{62F939B6-93AF-4DB8-9C6B-D6C7DFDC589F}" vid="{4A3C46E8-61CC-4603-A589-7422A47A8E4A}"/>
+    </a:ext>
+  </a:extLst>
+</a:theme>
 </file>